--- a/Ch 22 - Modules/Python Modules.pptx
+++ b/Ch 22 - Modules/Python Modules.pptx
@@ -40,7 +40,7 @@
             <a:spLocks noGrp="1"/>
           </p:cNvSpPr>
           <p:nvPr>
-            <p:ph type="ftr" idx="2"/>
+            <p:ph type="ftr" idx="1"/>
           </p:nvPr>
         </p:nvSpPr>
         <p:spPr/>
@@ -60,14 +60,14 @@
             <a:spLocks noGrp="1"/>
           </p:cNvSpPr>
           <p:nvPr>
-            <p:ph type="sldNum" idx="3"/>
+            <p:ph type="sldNum" idx="2"/>
           </p:nvPr>
         </p:nvSpPr>
         <p:spPr/>
         <p:txBody>
           <a:bodyPr/>
           <a:p>
-            <a:fld id="{BD10C9B0-14BE-4CD9-9F98-11F5CAE91221}" type="slidenum">
+            <a:fld id="{1858C6FE-B4BE-4DAD-A01B-366661AA10C0}" type="slidenum">
               <a:t>&lt;#&gt;</a:t>
             </a:fld>
           </a:p>
@@ -80,7 +80,7 @@
             <a:spLocks noGrp="1"/>
           </p:cNvSpPr>
           <p:nvPr>
-            <p:ph type="dt" idx="1"/>
+            <p:ph type="dt" idx="3"/>
           </p:nvPr>
         </p:nvSpPr>
         <p:spPr/>
@@ -129,7 +129,7 @@
         <p:spPr>
           <a:xfrm>
             <a:off x="457200" y="274680"/>
-            <a:ext cx="8229240" cy="1142640"/>
+            <a:ext cx="8228880" cy="1142280"/>
           </a:xfrm>
           <a:prstGeom prst="rect">
             <a:avLst/>
@@ -144,11 +144,11 @@
             <a:noAutofit/>
           </a:bodyPr>
           <a:p>
-            <a:endParaRPr b="0" lang="en-US" sz="1800" spc="-1" strike="noStrike">
-              <a:solidFill>
-                <a:srgbClr val="000000"/>
-              </a:solidFill>
-              <a:latin typeface="Calibri"/>
+            <a:pPr algn="ctr">
+              <a:buNone/>
+            </a:pPr>
+            <a:endParaRPr b="0" lang="en-IN" sz="4400" spc="-1" strike="noStrike">
+              <a:latin typeface="Arial"/>
             </a:endParaRPr>
           </a:p>
         </p:txBody>
@@ -181,11 +181,8 @@
             <a:normAutofit/>
           </a:bodyPr>
           <a:p>
-            <a:endParaRPr b="0" lang="en-US" sz="3200" spc="-1" strike="noStrike">
-              <a:solidFill>
-                <a:srgbClr val="000000"/>
-              </a:solidFill>
-              <a:latin typeface="Calibri"/>
+            <a:endParaRPr b="0" lang="en-IN" sz="3200" spc="-1" strike="noStrike">
+              <a:latin typeface="Arial"/>
             </a:endParaRPr>
           </a:p>
         </p:txBody>
@@ -218,11 +215,8 @@
             <a:normAutofit/>
           </a:bodyPr>
           <a:p>
-            <a:endParaRPr b="0" lang="en-US" sz="3200" spc="-1" strike="noStrike">
-              <a:solidFill>
-                <a:srgbClr val="000000"/>
-              </a:solidFill>
-              <a:latin typeface="Calibri"/>
+            <a:endParaRPr b="0" lang="en-IN" sz="3200" spc="-1" strike="noStrike">
+              <a:latin typeface="Arial"/>
             </a:endParaRPr>
           </a:p>
         </p:txBody>
@@ -234,7 +228,7 @@
             <a:spLocks noGrp="1"/>
           </p:cNvSpPr>
           <p:nvPr>
-            <p:ph type="ftr" idx="2"/>
+            <p:ph type="ftr" idx="1"/>
           </p:nvPr>
         </p:nvSpPr>
         <p:spPr/>
@@ -254,14 +248,14 @@
             <a:spLocks noGrp="1"/>
           </p:cNvSpPr>
           <p:nvPr>
-            <p:ph type="sldNum" idx="3"/>
+            <p:ph type="sldNum" idx="2"/>
           </p:nvPr>
         </p:nvSpPr>
         <p:spPr/>
         <p:txBody>
           <a:bodyPr/>
           <a:p>
-            <a:fld id="{309A2B8F-91B7-4E79-8FE1-8A6FCD131567}" type="slidenum">
+            <a:fld id="{E8FA04B8-5AB2-4A0A-A965-E0C89D9A704D}" type="slidenum">
               <a:t>&lt;#&gt;</a:t>
             </a:fld>
           </a:p>
@@ -274,7 +268,7 @@
             <a:spLocks noGrp="1"/>
           </p:cNvSpPr>
           <p:nvPr>
-            <p:ph type="dt" idx="1"/>
+            <p:ph type="dt" idx="3"/>
           </p:nvPr>
         </p:nvSpPr>
         <p:spPr/>
@@ -323,7 +317,7 @@
         <p:spPr>
           <a:xfrm>
             <a:off x="457200" y="274680"/>
-            <a:ext cx="8229240" cy="1142640"/>
+            <a:ext cx="8228880" cy="1142280"/>
           </a:xfrm>
           <a:prstGeom prst="rect">
             <a:avLst/>
@@ -338,11 +332,11 @@
             <a:noAutofit/>
           </a:bodyPr>
           <a:p>
-            <a:endParaRPr b="0" lang="en-US" sz="1800" spc="-1" strike="noStrike">
-              <a:solidFill>
-                <a:srgbClr val="000000"/>
-              </a:solidFill>
-              <a:latin typeface="Calibri"/>
+            <a:pPr algn="ctr">
+              <a:buNone/>
+            </a:pPr>
+            <a:endParaRPr b="0" lang="en-IN" sz="4400" spc="-1" strike="noStrike">
+              <a:latin typeface="Arial"/>
             </a:endParaRPr>
           </a:p>
         </p:txBody>
@@ -375,11 +369,8 @@
             <a:normAutofit/>
           </a:bodyPr>
           <a:p>
-            <a:endParaRPr b="0" lang="en-US" sz="3200" spc="-1" strike="noStrike">
-              <a:solidFill>
-                <a:srgbClr val="000000"/>
-              </a:solidFill>
-              <a:latin typeface="Calibri"/>
+            <a:endParaRPr b="0" lang="en-IN" sz="3200" spc="-1" strike="noStrike">
+              <a:latin typeface="Arial"/>
             </a:endParaRPr>
           </a:p>
         </p:txBody>
@@ -412,11 +403,8 @@
             <a:normAutofit/>
           </a:bodyPr>
           <a:p>
-            <a:endParaRPr b="0" lang="en-US" sz="3200" spc="-1" strike="noStrike">
-              <a:solidFill>
-                <a:srgbClr val="000000"/>
-              </a:solidFill>
-              <a:latin typeface="Calibri"/>
+            <a:endParaRPr b="0" lang="en-IN" sz="3200" spc="-1" strike="noStrike">
+              <a:latin typeface="Arial"/>
             </a:endParaRPr>
           </a:p>
         </p:txBody>
@@ -449,11 +437,8 @@
             <a:normAutofit/>
           </a:bodyPr>
           <a:p>
-            <a:endParaRPr b="0" lang="en-US" sz="3200" spc="-1" strike="noStrike">
-              <a:solidFill>
-                <a:srgbClr val="000000"/>
-              </a:solidFill>
-              <a:latin typeface="Calibri"/>
+            <a:endParaRPr b="0" lang="en-IN" sz="3200" spc="-1" strike="noStrike">
+              <a:latin typeface="Arial"/>
             </a:endParaRPr>
           </a:p>
         </p:txBody>
@@ -486,11 +471,8 @@
             <a:normAutofit/>
           </a:bodyPr>
           <a:p>
-            <a:endParaRPr b="0" lang="en-US" sz="3200" spc="-1" strike="noStrike">
-              <a:solidFill>
-                <a:srgbClr val="000000"/>
-              </a:solidFill>
-              <a:latin typeface="Calibri"/>
+            <a:endParaRPr b="0" lang="en-IN" sz="3200" spc="-1" strike="noStrike">
+              <a:latin typeface="Arial"/>
             </a:endParaRPr>
           </a:p>
         </p:txBody>
@@ -502,7 +484,7 @@
             <a:spLocks noGrp="1"/>
           </p:cNvSpPr>
           <p:nvPr>
-            <p:ph type="ftr" idx="2"/>
+            <p:ph type="ftr" idx="1"/>
           </p:nvPr>
         </p:nvSpPr>
         <p:spPr/>
@@ -522,14 +504,14 @@
             <a:spLocks noGrp="1"/>
           </p:cNvSpPr>
           <p:nvPr>
-            <p:ph type="sldNum" idx="3"/>
+            <p:ph type="sldNum" idx="2"/>
           </p:nvPr>
         </p:nvSpPr>
         <p:spPr/>
         <p:txBody>
           <a:bodyPr/>
           <a:p>
-            <a:fld id="{07306401-AFFE-4D8D-9F12-BB01BFC723AB}" type="slidenum">
+            <a:fld id="{563E0540-A687-4209-BAA8-87FDCA43509D}" type="slidenum">
               <a:t>&lt;#&gt;</a:t>
             </a:fld>
           </a:p>
@@ -542,7 +524,7 @@
             <a:spLocks noGrp="1"/>
           </p:cNvSpPr>
           <p:nvPr>
-            <p:ph type="dt" idx="1"/>
+            <p:ph type="dt" idx="3"/>
           </p:nvPr>
         </p:nvSpPr>
         <p:spPr/>
@@ -591,7 +573,7 @@
         <p:spPr>
           <a:xfrm>
             <a:off x="457200" y="274680"/>
-            <a:ext cx="8229240" cy="1142640"/>
+            <a:ext cx="8228880" cy="1142280"/>
           </a:xfrm>
           <a:prstGeom prst="rect">
             <a:avLst/>
@@ -606,11 +588,11 @@
             <a:noAutofit/>
           </a:bodyPr>
           <a:p>
-            <a:endParaRPr b="0" lang="en-US" sz="1800" spc="-1" strike="noStrike">
-              <a:solidFill>
-                <a:srgbClr val="000000"/>
-              </a:solidFill>
-              <a:latin typeface="Calibri"/>
+            <a:pPr algn="ctr">
+              <a:buNone/>
+            </a:pPr>
+            <a:endParaRPr b="0" lang="en-IN" sz="4400" spc="-1" strike="noStrike">
+              <a:latin typeface="Arial"/>
             </a:endParaRPr>
           </a:p>
         </p:txBody>
@@ -643,11 +625,8 @@
             <a:normAutofit/>
           </a:bodyPr>
           <a:p>
-            <a:endParaRPr b="0" lang="en-US" sz="3200" spc="-1" strike="noStrike">
-              <a:solidFill>
-                <a:srgbClr val="000000"/>
-              </a:solidFill>
-              <a:latin typeface="Calibri"/>
+            <a:endParaRPr b="0" lang="en-IN" sz="3200" spc="-1" strike="noStrike">
+              <a:latin typeface="Arial"/>
             </a:endParaRPr>
           </a:p>
         </p:txBody>
@@ -680,11 +659,8 @@
             <a:normAutofit/>
           </a:bodyPr>
           <a:p>
-            <a:endParaRPr b="0" lang="en-US" sz="3200" spc="-1" strike="noStrike">
-              <a:solidFill>
-                <a:srgbClr val="000000"/>
-              </a:solidFill>
-              <a:latin typeface="Calibri"/>
+            <a:endParaRPr b="0" lang="en-IN" sz="3200" spc="-1" strike="noStrike">
+              <a:latin typeface="Arial"/>
             </a:endParaRPr>
           </a:p>
         </p:txBody>
@@ -717,11 +693,8 @@
             <a:normAutofit/>
           </a:bodyPr>
           <a:p>
-            <a:endParaRPr b="0" lang="en-US" sz="3200" spc="-1" strike="noStrike">
-              <a:solidFill>
-                <a:srgbClr val="000000"/>
-              </a:solidFill>
-              <a:latin typeface="Calibri"/>
+            <a:endParaRPr b="0" lang="en-IN" sz="3200" spc="-1" strike="noStrike">
+              <a:latin typeface="Arial"/>
             </a:endParaRPr>
           </a:p>
         </p:txBody>
@@ -754,11 +727,8 @@
             <a:normAutofit/>
           </a:bodyPr>
           <a:p>
-            <a:endParaRPr b="0" lang="en-US" sz="3200" spc="-1" strike="noStrike">
-              <a:solidFill>
-                <a:srgbClr val="000000"/>
-              </a:solidFill>
-              <a:latin typeface="Calibri"/>
+            <a:endParaRPr b="0" lang="en-IN" sz="3200" spc="-1" strike="noStrike">
+              <a:latin typeface="Arial"/>
             </a:endParaRPr>
           </a:p>
         </p:txBody>
@@ -791,11 +761,8 @@
             <a:normAutofit/>
           </a:bodyPr>
           <a:p>
-            <a:endParaRPr b="0" lang="en-US" sz="3200" spc="-1" strike="noStrike">
-              <a:solidFill>
-                <a:srgbClr val="000000"/>
-              </a:solidFill>
-              <a:latin typeface="Calibri"/>
+            <a:endParaRPr b="0" lang="en-IN" sz="3200" spc="-1" strike="noStrike">
+              <a:latin typeface="Arial"/>
             </a:endParaRPr>
           </a:p>
         </p:txBody>
@@ -828,11 +795,8 @@
             <a:normAutofit/>
           </a:bodyPr>
           <a:p>
-            <a:endParaRPr b="0" lang="en-US" sz="3200" spc="-1" strike="noStrike">
-              <a:solidFill>
-                <a:srgbClr val="000000"/>
-              </a:solidFill>
-              <a:latin typeface="Calibri"/>
+            <a:endParaRPr b="0" lang="en-IN" sz="3200" spc="-1" strike="noStrike">
+              <a:latin typeface="Arial"/>
             </a:endParaRPr>
           </a:p>
         </p:txBody>
@@ -844,7 +808,7 @@
             <a:spLocks noGrp="1"/>
           </p:cNvSpPr>
           <p:nvPr>
-            <p:ph type="ftr" idx="2"/>
+            <p:ph type="ftr" idx="1"/>
           </p:nvPr>
         </p:nvSpPr>
         <p:spPr/>
@@ -864,14 +828,14 @@
             <a:spLocks noGrp="1"/>
           </p:cNvSpPr>
           <p:nvPr>
-            <p:ph type="sldNum" idx="3"/>
+            <p:ph type="sldNum" idx="2"/>
           </p:nvPr>
         </p:nvSpPr>
         <p:spPr/>
         <p:txBody>
           <a:bodyPr/>
           <a:p>
-            <a:fld id="{E6C559DD-C46F-46E9-A3E4-DB7471C8986C}" type="slidenum">
+            <a:fld id="{74613C32-5DE8-4A24-BE45-EA9AFAC366EE}" type="slidenum">
               <a:t>&lt;#&gt;</a:t>
             </a:fld>
           </a:p>
@@ -884,7 +848,7 @@
             <a:spLocks noGrp="1"/>
           </p:cNvSpPr>
           <p:nvPr>
-            <p:ph type="dt" idx="1"/>
+            <p:ph type="dt" idx="3"/>
           </p:nvPr>
         </p:nvSpPr>
         <p:spPr/>
@@ -933,7 +897,7 @@
         <p:spPr>
           <a:xfrm>
             <a:off x="457200" y="274680"/>
-            <a:ext cx="8229240" cy="1142640"/>
+            <a:ext cx="8228880" cy="1142280"/>
           </a:xfrm>
           <a:prstGeom prst="rect">
             <a:avLst/>
@@ -948,11 +912,11 @@
             <a:noAutofit/>
           </a:bodyPr>
           <a:p>
-            <a:endParaRPr b="0" lang="en-US" sz="1800" spc="-1" strike="noStrike">
-              <a:solidFill>
-                <a:srgbClr val="000000"/>
-              </a:solidFill>
-              <a:latin typeface="Calibri"/>
+            <a:pPr algn="ctr">
+              <a:buNone/>
+            </a:pPr>
+            <a:endParaRPr b="0" lang="en-IN" sz="4400" spc="-1" strike="noStrike">
+              <a:latin typeface="Arial"/>
             </a:endParaRPr>
           </a:p>
         </p:txBody>
@@ -1001,7 +965,7 @@
             <a:spLocks noGrp="1"/>
           </p:cNvSpPr>
           <p:nvPr>
-            <p:ph type="ftr" idx="2"/>
+            <p:ph type="ftr" idx="1"/>
           </p:nvPr>
         </p:nvSpPr>
         <p:spPr/>
@@ -1021,14 +985,14 @@
             <a:spLocks noGrp="1"/>
           </p:cNvSpPr>
           <p:nvPr>
-            <p:ph type="sldNum" idx="3"/>
+            <p:ph type="sldNum" idx="2"/>
           </p:nvPr>
         </p:nvSpPr>
         <p:spPr/>
         <p:txBody>
           <a:bodyPr/>
           <a:p>
-            <a:fld id="{47795DFC-7F60-4443-ABC6-86F6C0B40E0E}" type="slidenum">
+            <a:fld id="{4600426E-22E0-4984-A2C8-7B78020ABDE2}" type="slidenum">
               <a:t>&lt;#&gt;</a:t>
             </a:fld>
           </a:p>
@@ -1041,7 +1005,7 @@
             <a:spLocks noGrp="1"/>
           </p:cNvSpPr>
           <p:nvPr>
-            <p:ph type="dt" idx="1"/>
+            <p:ph type="dt" idx="3"/>
           </p:nvPr>
         </p:nvSpPr>
         <p:spPr/>
@@ -1090,7 +1054,7 @@
         <p:spPr>
           <a:xfrm>
             <a:off x="457200" y="274680"/>
-            <a:ext cx="8229240" cy="1142640"/>
+            <a:ext cx="8228880" cy="1142280"/>
           </a:xfrm>
           <a:prstGeom prst="rect">
             <a:avLst/>
@@ -1105,11 +1069,11 @@
             <a:noAutofit/>
           </a:bodyPr>
           <a:p>
-            <a:endParaRPr b="0" lang="en-US" sz="1800" spc="-1" strike="noStrike">
-              <a:solidFill>
-                <a:srgbClr val="000000"/>
-              </a:solidFill>
-              <a:latin typeface="Calibri"/>
+            <a:pPr algn="ctr">
+              <a:buNone/>
+            </a:pPr>
+            <a:endParaRPr b="0" lang="en-IN" sz="4400" spc="-1" strike="noStrike">
+              <a:latin typeface="Arial"/>
             </a:endParaRPr>
           </a:p>
         </p:txBody>
@@ -1142,11 +1106,8 @@
             <a:normAutofit/>
           </a:bodyPr>
           <a:p>
-            <a:endParaRPr b="0" lang="en-US" sz="3200" spc="-1" strike="noStrike">
-              <a:solidFill>
-                <a:srgbClr val="000000"/>
-              </a:solidFill>
-              <a:latin typeface="Calibri"/>
+            <a:endParaRPr b="0" lang="en-IN" sz="3200" spc="-1" strike="noStrike">
+              <a:latin typeface="Arial"/>
             </a:endParaRPr>
           </a:p>
         </p:txBody>
@@ -1158,7 +1119,7 @@
             <a:spLocks noGrp="1"/>
           </p:cNvSpPr>
           <p:nvPr>
-            <p:ph type="ftr" idx="2"/>
+            <p:ph type="ftr" idx="1"/>
           </p:nvPr>
         </p:nvSpPr>
         <p:spPr/>
@@ -1178,14 +1139,14 @@
             <a:spLocks noGrp="1"/>
           </p:cNvSpPr>
           <p:nvPr>
-            <p:ph type="sldNum" idx="3"/>
+            <p:ph type="sldNum" idx="2"/>
           </p:nvPr>
         </p:nvSpPr>
         <p:spPr/>
         <p:txBody>
           <a:bodyPr/>
           <a:p>
-            <a:fld id="{533D4CF3-2022-4AA7-867A-89940E1AEED9}" type="slidenum">
+            <a:fld id="{17FBCB82-7A77-4431-8554-D8AF2DB2EBB1}" type="slidenum">
               <a:t>&lt;#&gt;</a:t>
             </a:fld>
           </a:p>
@@ -1198,7 +1159,7 @@
             <a:spLocks noGrp="1"/>
           </p:cNvSpPr>
           <p:nvPr>
-            <p:ph type="dt" idx="1"/>
+            <p:ph type="dt" idx="3"/>
           </p:nvPr>
         </p:nvSpPr>
         <p:spPr/>
@@ -1247,7 +1208,7 @@
         <p:spPr>
           <a:xfrm>
             <a:off x="457200" y="274680"/>
-            <a:ext cx="8229240" cy="1142640"/>
+            <a:ext cx="8228880" cy="1142280"/>
           </a:xfrm>
           <a:prstGeom prst="rect">
             <a:avLst/>
@@ -1262,11 +1223,11 @@
             <a:noAutofit/>
           </a:bodyPr>
           <a:p>
-            <a:endParaRPr b="0" lang="en-US" sz="1800" spc="-1" strike="noStrike">
-              <a:solidFill>
-                <a:srgbClr val="000000"/>
-              </a:solidFill>
-              <a:latin typeface="Calibri"/>
+            <a:pPr algn="ctr">
+              <a:buNone/>
+            </a:pPr>
+            <a:endParaRPr b="0" lang="en-IN" sz="4400" spc="-1" strike="noStrike">
+              <a:latin typeface="Arial"/>
             </a:endParaRPr>
           </a:p>
         </p:txBody>
@@ -1299,11 +1260,8 @@
             <a:normAutofit/>
           </a:bodyPr>
           <a:p>
-            <a:endParaRPr b="0" lang="en-US" sz="3200" spc="-1" strike="noStrike">
-              <a:solidFill>
-                <a:srgbClr val="000000"/>
-              </a:solidFill>
-              <a:latin typeface="Calibri"/>
+            <a:endParaRPr b="0" lang="en-IN" sz="3200" spc="-1" strike="noStrike">
+              <a:latin typeface="Arial"/>
             </a:endParaRPr>
           </a:p>
         </p:txBody>
@@ -1336,11 +1294,8 @@
             <a:normAutofit/>
           </a:bodyPr>
           <a:p>
-            <a:endParaRPr b="0" lang="en-US" sz="3200" spc="-1" strike="noStrike">
-              <a:solidFill>
-                <a:srgbClr val="000000"/>
-              </a:solidFill>
-              <a:latin typeface="Calibri"/>
+            <a:endParaRPr b="0" lang="en-IN" sz="3200" spc="-1" strike="noStrike">
+              <a:latin typeface="Arial"/>
             </a:endParaRPr>
           </a:p>
         </p:txBody>
@@ -1352,7 +1307,7 @@
             <a:spLocks noGrp="1"/>
           </p:cNvSpPr>
           <p:nvPr>
-            <p:ph type="ftr" idx="2"/>
+            <p:ph type="ftr" idx="1"/>
           </p:nvPr>
         </p:nvSpPr>
         <p:spPr/>
@@ -1372,14 +1327,14 @@
             <a:spLocks noGrp="1"/>
           </p:cNvSpPr>
           <p:nvPr>
-            <p:ph type="sldNum" idx="3"/>
+            <p:ph type="sldNum" idx="2"/>
           </p:nvPr>
         </p:nvSpPr>
         <p:spPr/>
         <p:txBody>
           <a:bodyPr/>
           <a:p>
-            <a:fld id="{72687208-A9A8-4D7A-82F1-459FEF61B649}" type="slidenum">
+            <a:fld id="{4B7B30B9-4F8C-45A3-BF05-62922E4D9E9A}" type="slidenum">
               <a:t>&lt;#&gt;</a:t>
             </a:fld>
           </a:p>
@@ -1392,7 +1347,7 @@
             <a:spLocks noGrp="1"/>
           </p:cNvSpPr>
           <p:nvPr>
-            <p:ph type="dt" idx="1"/>
+            <p:ph type="dt" idx="3"/>
           </p:nvPr>
         </p:nvSpPr>
         <p:spPr/>
@@ -1441,7 +1396,7 @@
         <p:spPr>
           <a:xfrm>
             <a:off x="457200" y="274680"/>
-            <a:ext cx="8229240" cy="1142640"/>
+            <a:ext cx="8228880" cy="1142280"/>
           </a:xfrm>
           <a:prstGeom prst="rect">
             <a:avLst/>
@@ -1456,11 +1411,11 @@
             <a:noAutofit/>
           </a:bodyPr>
           <a:p>
-            <a:endParaRPr b="0" lang="en-US" sz="1800" spc="-1" strike="noStrike">
-              <a:solidFill>
-                <a:srgbClr val="000000"/>
-              </a:solidFill>
-              <a:latin typeface="Calibri"/>
+            <a:pPr algn="ctr">
+              <a:buNone/>
+            </a:pPr>
+            <a:endParaRPr b="0" lang="en-IN" sz="4400" spc="-1" strike="noStrike">
+              <a:latin typeface="Arial"/>
             </a:endParaRPr>
           </a:p>
         </p:txBody>
@@ -1472,7 +1427,7 @@
             <a:spLocks noGrp="1"/>
           </p:cNvSpPr>
           <p:nvPr>
-            <p:ph type="ftr" idx="2"/>
+            <p:ph type="ftr" idx="1"/>
           </p:nvPr>
         </p:nvSpPr>
         <p:spPr/>
@@ -1492,14 +1447,14 @@
             <a:spLocks noGrp="1"/>
           </p:cNvSpPr>
           <p:nvPr>
-            <p:ph type="sldNum" idx="3"/>
+            <p:ph type="sldNum" idx="2"/>
           </p:nvPr>
         </p:nvSpPr>
         <p:spPr/>
         <p:txBody>
           <a:bodyPr/>
           <a:p>
-            <a:fld id="{CC04CB8D-758D-43FD-8B52-A9207FCA1DB8}" type="slidenum">
+            <a:fld id="{B2429E39-0370-4D6D-AB96-D6ACBA17217B}" type="slidenum">
               <a:t>&lt;#&gt;</a:t>
             </a:fld>
           </a:p>
@@ -1512,7 +1467,7 @@
             <a:spLocks noGrp="1"/>
           </p:cNvSpPr>
           <p:nvPr>
-            <p:ph type="dt" idx="1"/>
+            <p:ph type="dt" idx="3"/>
           </p:nvPr>
         </p:nvSpPr>
         <p:spPr/>
@@ -1561,7 +1516,7 @@
         <p:spPr>
           <a:xfrm>
             <a:off x="457200" y="274680"/>
-            <a:ext cx="8229240" cy="5297760"/>
+            <a:ext cx="8228880" cy="5296320"/>
           </a:xfrm>
           <a:prstGeom prst="rect">
             <a:avLst/>
@@ -1592,7 +1547,7 @@
             <a:spLocks noGrp="1"/>
           </p:cNvSpPr>
           <p:nvPr>
-            <p:ph type="ftr" idx="2"/>
+            <p:ph type="ftr" idx="1"/>
           </p:nvPr>
         </p:nvSpPr>
         <p:spPr/>
@@ -1612,14 +1567,14 @@
             <a:spLocks noGrp="1"/>
           </p:cNvSpPr>
           <p:nvPr>
-            <p:ph type="sldNum" idx="3"/>
+            <p:ph type="sldNum" idx="2"/>
           </p:nvPr>
         </p:nvSpPr>
         <p:spPr/>
         <p:txBody>
           <a:bodyPr/>
           <a:p>
-            <a:fld id="{6EE545DA-6C59-44BE-ACAC-B5E6202242FB}" type="slidenum">
+            <a:fld id="{8889E584-F209-41E7-93CF-8A204DD06A58}" type="slidenum">
               <a:t>&lt;#&gt;</a:t>
             </a:fld>
           </a:p>
@@ -1632,7 +1587,7 @@
             <a:spLocks noGrp="1"/>
           </p:cNvSpPr>
           <p:nvPr>
-            <p:ph type="dt" idx="1"/>
+            <p:ph type="dt" idx="3"/>
           </p:nvPr>
         </p:nvSpPr>
         <p:spPr/>
@@ -1681,7 +1636,7 @@
         <p:spPr>
           <a:xfrm>
             <a:off x="457200" y="274680"/>
-            <a:ext cx="8229240" cy="1142640"/>
+            <a:ext cx="8228880" cy="1142280"/>
           </a:xfrm>
           <a:prstGeom prst="rect">
             <a:avLst/>
@@ -1696,11 +1651,11 @@
             <a:noAutofit/>
           </a:bodyPr>
           <a:p>
-            <a:endParaRPr b="0" lang="en-US" sz="1800" spc="-1" strike="noStrike">
-              <a:solidFill>
-                <a:srgbClr val="000000"/>
-              </a:solidFill>
-              <a:latin typeface="Calibri"/>
+            <a:pPr algn="ctr">
+              <a:buNone/>
+            </a:pPr>
+            <a:endParaRPr b="0" lang="en-IN" sz="4400" spc="-1" strike="noStrike">
+              <a:latin typeface="Arial"/>
             </a:endParaRPr>
           </a:p>
         </p:txBody>
@@ -1733,11 +1688,8 @@
             <a:normAutofit/>
           </a:bodyPr>
           <a:p>
-            <a:endParaRPr b="0" lang="en-US" sz="3200" spc="-1" strike="noStrike">
-              <a:solidFill>
-                <a:srgbClr val="000000"/>
-              </a:solidFill>
-              <a:latin typeface="Calibri"/>
+            <a:endParaRPr b="0" lang="en-IN" sz="3200" spc="-1" strike="noStrike">
+              <a:latin typeface="Arial"/>
             </a:endParaRPr>
           </a:p>
         </p:txBody>
@@ -1770,11 +1722,8 @@
             <a:normAutofit/>
           </a:bodyPr>
           <a:p>
-            <a:endParaRPr b="0" lang="en-US" sz="3200" spc="-1" strike="noStrike">
-              <a:solidFill>
-                <a:srgbClr val="000000"/>
-              </a:solidFill>
-              <a:latin typeface="Calibri"/>
+            <a:endParaRPr b="0" lang="en-IN" sz="3200" spc="-1" strike="noStrike">
+              <a:latin typeface="Arial"/>
             </a:endParaRPr>
           </a:p>
         </p:txBody>
@@ -1807,11 +1756,8 @@
             <a:normAutofit/>
           </a:bodyPr>
           <a:p>
-            <a:endParaRPr b="0" lang="en-US" sz="3200" spc="-1" strike="noStrike">
-              <a:solidFill>
-                <a:srgbClr val="000000"/>
-              </a:solidFill>
-              <a:latin typeface="Calibri"/>
+            <a:endParaRPr b="0" lang="en-IN" sz="3200" spc="-1" strike="noStrike">
+              <a:latin typeface="Arial"/>
             </a:endParaRPr>
           </a:p>
         </p:txBody>
@@ -1823,7 +1769,7 @@
             <a:spLocks noGrp="1"/>
           </p:cNvSpPr>
           <p:nvPr>
-            <p:ph type="ftr" idx="2"/>
+            <p:ph type="ftr" idx="1"/>
           </p:nvPr>
         </p:nvSpPr>
         <p:spPr/>
@@ -1843,14 +1789,14 @@
             <a:spLocks noGrp="1"/>
           </p:cNvSpPr>
           <p:nvPr>
-            <p:ph type="sldNum" idx="3"/>
+            <p:ph type="sldNum" idx="2"/>
           </p:nvPr>
         </p:nvSpPr>
         <p:spPr/>
         <p:txBody>
           <a:bodyPr/>
           <a:p>
-            <a:fld id="{B19117EA-E564-414F-97D0-71CF3DD7DC5A}" type="slidenum">
+            <a:fld id="{D0FB6DEB-0406-4810-B129-60EB5DB7539F}" type="slidenum">
               <a:t>&lt;#&gt;</a:t>
             </a:fld>
           </a:p>
@@ -1863,7 +1809,7 @@
             <a:spLocks noGrp="1"/>
           </p:cNvSpPr>
           <p:nvPr>
-            <p:ph type="dt" idx="1"/>
+            <p:ph type="dt" idx="3"/>
           </p:nvPr>
         </p:nvSpPr>
         <p:spPr/>
@@ -1912,7 +1858,7 @@
         <p:spPr>
           <a:xfrm>
             <a:off x="457200" y="274680"/>
-            <a:ext cx="8229240" cy="1142640"/>
+            <a:ext cx="8228880" cy="1142280"/>
           </a:xfrm>
           <a:prstGeom prst="rect">
             <a:avLst/>
@@ -1927,11 +1873,11 @@
             <a:noAutofit/>
           </a:bodyPr>
           <a:p>
-            <a:endParaRPr b="0" lang="en-US" sz="1800" spc="-1" strike="noStrike">
-              <a:solidFill>
-                <a:srgbClr val="000000"/>
-              </a:solidFill>
-              <a:latin typeface="Calibri"/>
+            <a:pPr algn="ctr">
+              <a:buNone/>
+            </a:pPr>
+            <a:endParaRPr b="0" lang="en-IN" sz="4400" spc="-1" strike="noStrike">
+              <a:latin typeface="Arial"/>
             </a:endParaRPr>
           </a:p>
         </p:txBody>
@@ -1964,11 +1910,8 @@
             <a:normAutofit/>
           </a:bodyPr>
           <a:p>
-            <a:endParaRPr b="0" lang="en-US" sz="3200" spc="-1" strike="noStrike">
-              <a:solidFill>
-                <a:srgbClr val="000000"/>
-              </a:solidFill>
-              <a:latin typeface="Calibri"/>
+            <a:endParaRPr b="0" lang="en-IN" sz="3200" spc="-1" strike="noStrike">
+              <a:latin typeface="Arial"/>
             </a:endParaRPr>
           </a:p>
         </p:txBody>
@@ -2001,11 +1944,8 @@
             <a:normAutofit/>
           </a:bodyPr>
           <a:p>
-            <a:endParaRPr b="0" lang="en-US" sz="3200" spc="-1" strike="noStrike">
-              <a:solidFill>
-                <a:srgbClr val="000000"/>
-              </a:solidFill>
-              <a:latin typeface="Calibri"/>
+            <a:endParaRPr b="0" lang="en-IN" sz="3200" spc="-1" strike="noStrike">
+              <a:latin typeface="Arial"/>
             </a:endParaRPr>
           </a:p>
         </p:txBody>
@@ -2038,11 +1978,8 @@
             <a:normAutofit/>
           </a:bodyPr>
           <a:p>
-            <a:endParaRPr b="0" lang="en-US" sz="3200" spc="-1" strike="noStrike">
-              <a:solidFill>
-                <a:srgbClr val="000000"/>
-              </a:solidFill>
-              <a:latin typeface="Calibri"/>
+            <a:endParaRPr b="0" lang="en-IN" sz="3200" spc="-1" strike="noStrike">
+              <a:latin typeface="Arial"/>
             </a:endParaRPr>
           </a:p>
         </p:txBody>
@@ -2054,7 +1991,7 @@
             <a:spLocks noGrp="1"/>
           </p:cNvSpPr>
           <p:nvPr>
-            <p:ph type="ftr" idx="2"/>
+            <p:ph type="ftr" idx="1"/>
           </p:nvPr>
         </p:nvSpPr>
         <p:spPr/>
@@ -2074,14 +2011,14 @@
             <a:spLocks noGrp="1"/>
           </p:cNvSpPr>
           <p:nvPr>
-            <p:ph type="sldNum" idx="3"/>
+            <p:ph type="sldNum" idx="2"/>
           </p:nvPr>
         </p:nvSpPr>
         <p:spPr/>
         <p:txBody>
           <a:bodyPr/>
           <a:p>
-            <a:fld id="{95FCAD12-3232-42F8-9DE5-0C933EFFDB04}" type="slidenum">
+            <a:fld id="{71065EAF-1365-4CAC-8AE5-EF6474D86223}" type="slidenum">
               <a:t>&lt;#&gt;</a:t>
             </a:fld>
           </a:p>
@@ -2094,7 +2031,7 @@
             <a:spLocks noGrp="1"/>
           </p:cNvSpPr>
           <p:nvPr>
-            <p:ph type="dt" idx="1"/>
+            <p:ph type="dt" idx="3"/>
           </p:nvPr>
         </p:nvSpPr>
         <p:spPr/>
@@ -2143,7 +2080,7 @@
         <p:spPr>
           <a:xfrm>
             <a:off x="457200" y="274680"/>
-            <a:ext cx="8229240" cy="1142640"/>
+            <a:ext cx="8228880" cy="1142280"/>
           </a:xfrm>
           <a:prstGeom prst="rect">
             <a:avLst/>
@@ -2158,11 +2095,11 @@
             <a:noAutofit/>
           </a:bodyPr>
           <a:p>
-            <a:endParaRPr b="0" lang="en-US" sz="1800" spc="-1" strike="noStrike">
-              <a:solidFill>
-                <a:srgbClr val="000000"/>
-              </a:solidFill>
-              <a:latin typeface="Calibri"/>
+            <a:pPr algn="ctr">
+              <a:buNone/>
+            </a:pPr>
+            <a:endParaRPr b="0" lang="en-IN" sz="4400" spc="-1" strike="noStrike">
+              <a:latin typeface="Arial"/>
             </a:endParaRPr>
           </a:p>
         </p:txBody>
@@ -2195,11 +2132,8 @@
             <a:normAutofit/>
           </a:bodyPr>
           <a:p>
-            <a:endParaRPr b="0" lang="en-US" sz="3200" spc="-1" strike="noStrike">
-              <a:solidFill>
-                <a:srgbClr val="000000"/>
-              </a:solidFill>
-              <a:latin typeface="Calibri"/>
+            <a:endParaRPr b="0" lang="en-IN" sz="3200" spc="-1" strike="noStrike">
+              <a:latin typeface="Arial"/>
             </a:endParaRPr>
           </a:p>
         </p:txBody>
@@ -2232,11 +2166,8 @@
             <a:normAutofit/>
           </a:bodyPr>
           <a:p>
-            <a:endParaRPr b="0" lang="en-US" sz="3200" spc="-1" strike="noStrike">
-              <a:solidFill>
-                <a:srgbClr val="000000"/>
-              </a:solidFill>
-              <a:latin typeface="Calibri"/>
+            <a:endParaRPr b="0" lang="en-IN" sz="3200" spc="-1" strike="noStrike">
+              <a:latin typeface="Arial"/>
             </a:endParaRPr>
           </a:p>
         </p:txBody>
@@ -2269,11 +2200,8 @@
             <a:normAutofit/>
           </a:bodyPr>
           <a:p>
-            <a:endParaRPr b="0" lang="en-US" sz="3200" spc="-1" strike="noStrike">
-              <a:solidFill>
-                <a:srgbClr val="000000"/>
-              </a:solidFill>
-              <a:latin typeface="Calibri"/>
+            <a:endParaRPr b="0" lang="en-IN" sz="3200" spc="-1" strike="noStrike">
+              <a:latin typeface="Arial"/>
             </a:endParaRPr>
           </a:p>
         </p:txBody>
@@ -2285,7 +2213,7 @@
             <a:spLocks noGrp="1"/>
           </p:cNvSpPr>
           <p:nvPr>
-            <p:ph type="ftr" idx="2"/>
+            <p:ph type="ftr" idx="1"/>
           </p:nvPr>
         </p:nvSpPr>
         <p:spPr/>
@@ -2305,14 +2233,14 @@
             <a:spLocks noGrp="1"/>
           </p:cNvSpPr>
           <p:nvPr>
-            <p:ph type="sldNum" idx="3"/>
+            <p:ph type="sldNum" idx="2"/>
           </p:nvPr>
         </p:nvSpPr>
         <p:spPr/>
         <p:txBody>
           <a:bodyPr/>
           <a:p>
-            <a:fld id="{CC15143F-DA48-4E73-A38E-EAF3005E2908}" type="slidenum">
+            <a:fld id="{1F8EB561-9FD4-4AF3-91ED-26DF1C775507}" type="slidenum">
               <a:t>&lt;#&gt;</a:t>
             </a:fld>
           </a:p>
@@ -2325,7 +2253,7 @@
             <a:spLocks noGrp="1"/>
           </p:cNvSpPr>
           <p:nvPr>
-            <p:ph type="dt" idx="1"/>
+            <p:ph type="dt" idx="3"/>
           </p:nvPr>
         </p:nvSpPr>
         <p:spPr/>
@@ -2381,41 +2309,29 @@
         <p:spPr>
           <a:xfrm>
             <a:off x="457200" y="274680"/>
-            <a:ext cx="8229240" cy="1142640"/>
-          </a:xfrm>
-          <a:prstGeom prst="rect">
-            <a:avLst/>
-          </a:prstGeom>
-          <a:noFill/>
-          <a:ln w="0">
-            <a:noFill/>
-          </a:ln>
-        </p:spPr>
-        <p:txBody>
-          <a:bodyPr anchor="ctr">
+            <a:ext cx="8228880" cy="1142280"/>
+          </a:xfrm>
+          <a:prstGeom prst="rect">
+            <a:avLst/>
+          </a:prstGeom>
+          <a:noFill/>
+          <a:ln w="0">
+            <a:noFill/>
+          </a:ln>
+        </p:spPr>
+        <p:txBody>
+          <a:bodyPr lIns="0" rIns="0" tIns="0" bIns="0" anchor="ctr">
             <a:noAutofit/>
           </a:bodyPr>
           <a:p>
-            <a:pPr algn="ctr">
-              <a:lnSpc>
-                <a:spcPct val="100000"/>
-              </a:lnSpc>
-              <a:buNone/>
-            </a:pPr>
-            <a:r>
-              <a:rPr b="0" lang="en-US" sz="4400" spc="-1" strike="noStrike">
-                <a:solidFill>
-                  <a:srgbClr val="000000"/>
-                </a:solidFill>
-                <a:latin typeface="Calibri"/>
-              </a:rPr>
-              <a:t>Click to edit Master title style</a:t>
-            </a:r>
-            <a:endParaRPr b="0" lang="en-US" sz="4400" spc="-1" strike="noStrike">
-              <a:solidFill>
-                <a:srgbClr val="000000"/>
-              </a:solidFill>
-              <a:latin typeface="Calibri"/>
+            <a:r>
+              <a:rPr b="0" lang="en-IN" sz="1800" spc="-1" strike="noStrike">
+                <a:latin typeface="Arial"/>
+              </a:rPr>
+              <a:t>Click to edit the title text format</a:t>
+            </a:r>
+            <a:endParaRPr b="0" lang="en-IN" sz="1800" spc="-1" strike="noStrike">
+              <a:latin typeface="Arial"/>
             </a:endParaRPr>
           </a:p>
         </p:txBody>
@@ -2427,91 +2343,31 @@
             <a:spLocks noGrp="1"/>
           </p:cNvSpPr>
           <p:nvPr>
-            <p:ph type="dt" idx="1"/>
-          </p:nvPr>
-        </p:nvSpPr>
-        <p:spPr>
-          <a:xfrm>
-            <a:off x="457200" y="6356520"/>
-            <a:ext cx="2133360" cy="364680"/>
-          </a:xfrm>
-          <a:prstGeom prst="rect">
-            <a:avLst/>
-          </a:prstGeom>
-          <a:noFill/>
-          <a:ln w="0">
-            <a:noFill/>
-          </a:ln>
-        </p:spPr>
-        <p:txBody>
-          <a:bodyPr anchor="ctr">
-            <a:noAutofit/>
-          </a:bodyPr>
-          <a:lstStyle>
-            <a:lvl1pPr>
-              <a:lnSpc>
-                <a:spcPct val="100000"/>
-              </a:lnSpc>
-              <a:buNone/>
-              <a:defRPr b="0" lang="en-US" sz="1200" spc="-1" strike="noStrike">
-                <a:solidFill>
-                  <a:srgbClr val="8b8b8b"/>
-                </a:solidFill>
-                <a:latin typeface="Calibri"/>
-              </a:defRPr>
-            </a:lvl1pPr>
-          </a:lstStyle>
-          <a:p>
-            <a:pPr>
-              <a:lnSpc>
-                <a:spcPct val="100000"/>
-              </a:lnSpc>
-              <a:buNone/>
-            </a:pPr>
-            <a:r>
-              <a:rPr b="0" lang="en-US" sz="1200" spc="-1" strike="noStrike">
-                <a:solidFill>
-                  <a:srgbClr val="8b8b8b"/>
-                </a:solidFill>
-                <a:latin typeface="Calibri"/>
-              </a:rPr>
-              <a:t>&lt;date/time&gt;</a:t>
-            </a:r>
-            <a:endParaRPr b="0" lang="en-IN" sz="1200" spc="-1" strike="noStrike">
-              <a:latin typeface="Times New Roman"/>
-            </a:endParaRPr>
-          </a:p>
-        </p:txBody>
-      </p:sp>
-      <p:sp>
-        <p:nvSpPr>
-          <p:cNvPr id="2" name="PlaceHolder 3"/>
-          <p:cNvSpPr>
-            <a:spLocks noGrp="1"/>
-          </p:cNvSpPr>
-          <p:nvPr>
-            <p:ph type="ftr" idx="2"/>
+            <p:ph type="ftr" idx="1"/>
           </p:nvPr>
         </p:nvSpPr>
         <p:spPr>
           <a:xfrm>
             <a:off x="3124080" y="6356520"/>
-            <a:ext cx="2895120" cy="364680"/>
-          </a:xfrm>
-          <a:prstGeom prst="rect">
-            <a:avLst/>
-          </a:prstGeom>
-          <a:noFill/>
-          <a:ln w="0">
-            <a:noFill/>
-          </a:ln>
-        </p:spPr>
-        <p:txBody>
-          <a:bodyPr anchor="ctr">
+            <a:ext cx="2894760" cy="364320"/>
+          </a:xfrm>
+          <a:prstGeom prst="rect">
+            <a:avLst/>
+          </a:prstGeom>
+          <a:noFill/>
+          <a:ln w="0">
+            <a:noFill/>
+          </a:ln>
+        </p:spPr>
+        <p:txBody>
+          <a:bodyPr lIns="90000" rIns="90000" tIns="45000" bIns="45000" anchor="ctr">
             <a:noAutofit/>
           </a:bodyPr>
           <a:lstStyle>
             <a:lvl1pPr algn="ctr">
+              <a:lnSpc>
+                <a:spcPct val="100000"/>
+              </a:lnSpc>
               <a:buNone/>
               <a:defRPr b="0" lang="en-IN" sz="1400" spc="-1" strike="noStrike">
                 <a:latin typeface="Times New Roman"/>
@@ -2520,13 +2376,16 @@
           </a:lstStyle>
           <a:p>
             <a:pPr algn="ctr">
+              <a:lnSpc>
+                <a:spcPct val="100000"/>
+              </a:lnSpc>
               <a:buNone/>
             </a:pPr>
             <a:r>
               <a:rPr b="0" lang="en-IN" sz="1400" spc="-1" strike="noStrike">
                 <a:latin typeface="Times New Roman"/>
               </a:rPr>
-              <a:t>&lt;footer&gt;</a:t>
+              <a:t> </a:t>
             </a:r>
             <a:endParaRPr b="0" lang="en-IN" sz="1400" spc="-1" strike="noStrike">
               <a:latin typeface="Times New Roman"/>
@@ -2536,29 +2395,29 @@
       </p:sp>
       <p:sp>
         <p:nvSpPr>
-          <p:cNvPr id="3" name="PlaceHolder 4"/>
-          <p:cNvSpPr>
-            <a:spLocks noGrp="1"/>
-          </p:cNvSpPr>
-          <p:nvPr>
-            <p:ph type="sldNum" idx="3"/>
+          <p:cNvPr id="2" name="PlaceHolder 3"/>
+          <p:cNvSpPr>
+            <a:spLocks noGrp="1"/>
+          </p:cNvSpPr>
+          <p:nvPr>
+            <p:ph type="sldNum" idx="2"/>
           </p:nvPr>
         </p:nvSpPr>
         <p:spPr>
           <a:xfrm>
             <a:off x="6553080" y="6356520"/>
-            <a:ext cx="2133360" cy="364680"/>
-          </a:xfrm>
-          <a:prstGeom prst="rect">
-            <a:avLst/>
-          </a:prstGeom>
-          <a:noFill/>
-          <a:ln w="0">
-            <a:noFill/>
-          </a:ln>
-        </p:spPr>
-        <p:txBody>
-          <a:bodyPr anchor="ctr">
+            <a:ext cx="2133000" cy="364320"/>
+          </a:xfrm>
+          <a:prstGeom prst="rect">
+            <a:avLst/>
+          </a:prstGeom>
+          <a:noFill/>
+          <a:ln w="0">
+            <a:noFill/>
+          </a:ln>
+        </p:spPr>
+        <p:txBody>
+          <a:bodyPr lIns="90000" rIns="90000" tIns="45000" bIns="45000" anchor="ctr">
             <a:noAutofit/>
           </a:bodyPr>
           <a:lstStyle>
@@ -2582,16 +2441,63 @@
               </a:lnSpc>
               <a:buNone/>
             </a:pPr>
-            <a:fld id="{B594F1A8-6662-4CE8-B936-825C5EF4A2C5}" type="slidenum">
+            <a:fld id="{2691524C-D665-4D3D-BC5B-8D2C0F8EDAB1}" type="slidenum">
               <a:rPr b="0" lang="en-US" sz="1200" spc="-1" strike="noStrike">
                 <a:solidFill>
                   <a:srgbClr val="8b8b8b"/>
                 </a:solidFill>
                 <a:latin typeface="Calibri"/>
               </a:rPr>
-              <a:t>&lt;number&gt;</a:t>
+              <a:t>5</a:t>
             </a:fld>
             <a:endParaRPr b="0" lang="en-IN" sz="1200" spc="-1" strike="noStrike">
+              <a:latin typeface="Times New Roman"/>
+            </a:endParaRPr>
+          </a:p>
+        </p:txBody>
+      </p:sp>
+      <p:sp>
+        <p:nvSpPr>
+          <p:cNvPr id="3" name="PlaceHolder 4"/>
+          <p:cNvSpPr>
+            <a:spLocks noGrp="1"/>
+          </p:cNvSpPr>
+          <p:nvPr>
+            <p:ph type="dt" idx="3"/>
+          </p:nvPr>
+        </p:nvSpPr>
+        <p:spPr>
+          <a:xfrm>
+            <a:off x="457200" y="6356520"/>
+            <a:ext cx="2133000" cy="364320"/>
+          </a:xfrm>
+          <a:prstGeom prst="rect">
+            <a:avLst/>
+          </a:prstGeom>
+          <a:noFill/>
+          <a:ln w="0">
+            <a:noFill/>
+          </a:ln>
+        </p:spPr>
+        <p:txBody>
+          <a:bodyPr lIns="90000" rIns="90000" tIns="45000" bIns="45000" anchor="ctr">
+            <a:noAutofit/>
+          </a:bodyPr>
+          <a:lstStyle>
+            <a:lvl1pPr>
+              <a:defRPr b="0" lang="en-IN" sz="1400" spc="-1" strike="noStrike">
+                <a:latin typeface="Times New Roman"/>
+              </a:defRPr>
+            </a:lvl1pPr>
+          </a:lstStyle>
+          <a:p>
+            <a:r>
+              <a:rPr b="0" lang="en-IN" sz="1400" spc="-1" strike="noStrike">
+                <a:latin typeface="Times New Roman"/>
+              </a:rPr>
+              <a:t>&lt;date/time&gt;</a:t>
+            </a:r>
+            <a:endParaRPr b="0" lang="en-IN" sz="1400" spc="-1" strike="noStrike">
               <a:latin typeface="Times New Roman"/>
             </a:endParaRPr>
           </a:p>
@@ -2637,19 +2543,13 @@
               <a:buChar char=""/>
             </a:pPr>
             <a:r>
-              <a:rPr b="0" lang="en-US" sz="3200" spc="-1" strike="noStrike">
-                <a:solidFill>
-                  <a:srgbClr val="000000"/>
-                </a:solidFill>
-                <a:latin typeface="Calibri"/>
+              <a:rPr b="0" lang="en-IN" sz="3200" spc="-1" strike="noStrike">
+                <a:latin typeface="Arial"/>
               </a:rPr>
               <a:t>Click to edit the outline text format</a:t>
             </a:r>
-            <a:endParaRPr b="0" lang="en-US" sz="3200" spc="-1" strike="noStrike">
-              <a:solidFill>
-                <a:srgbClr val="000000"/>
-              </a:solidFill>
-              <a:latin typeface="Calibri"/>
+            <a:endParaRPr b="0" lang="en-IN" sz="3200" spc="-1" strike="noStrike">
+              <a:latin typeface="Arial"/>
             </a:endParaRPr>
           </a:p>
           <a:p>
@@ -2665,19 +2565,13 @@
               <a:buChar char=""/>
             </a:pPr>
             <a:r>
-              <a:rPr b="0" lang="en-US" sz="2400" spc="-1" strike="noStrike">
-                <a:solidFill>
-                  <a:srgbClr val="000000"/>
-                </a:solidFill>
-                <a:latin typeface="Calibri"/>
+              <a:rPr b="0" lang="en-IN" sz="2800" spc="-1" strike="noStrike">
+                <a:latin typeface="Arial"/>
               </a:rPr>
               <a:t>Second Outline Level</a:t>
             </a:r>
-            <a:endParaRPr b="0" lang="en-US" sz="2400" spc="-1" strike="noStrike">
-              <a:solidFill>
-                <a:srgbClr val="000000"/>
-              </a:solidFill>
-              <a:latin typeface="Calibri"/>
+            <a:endParaRPr b="0" lang="en-IN" sz="2800" spc="-1" strike="noStrike">
+              <a:latin typeface="Arial"/>
             </a:endParaRPr>
           </a:p>
           <a:p>
@@ -2693,19 +2587,13 @@
               <a:buChar char=""/>
             </a:pPr>
             <a:r>
-              <a:rPr b="0" lang="en-US" sz="2000" spc="-1" strike="noStrike">
-                <a:solidFill>
-                  <a:srgbClr val="000000"/>
-                </a:solidFill>
-                <a:latin typeface="Calibri"/>
+              <a:rPr b="0" lang="en-IN" sz="2400" spc="-1" strike="noStrike">
+                <a:latin typeface="Arial"/>
               </a:rPr>
               <a:t>Third Outline Level</a:t>
             </a:r>
-            <a:endParaRPr b="0" lang="en-US" sz="2000" spc="-1" strike="noStrike">
-              <a:solidFill>
-                <a:srgbClr val="000000"/>
-              </a:solidFill>
-              <a:latin typeface="Calibri"/>
+            <a:endParaRPr b="0" lang="en-IN" sz="2400" spc="-1" strike="noStrike">
+              <a:latin typeface="Arial"/>
             </a:endParaRPr>
           </a:p>
           <a:p>
@@ -2721,19 +2609,13 @@
               <a:buChar char=""/>
             </a:pPr>
             <a:r>
-              <a:rPr b="0" lang="en-US" sz="2000" spc="-1" strike="noStrike">
-                <a:solidFill>
-                  <a:srgbClr val="000000"/>
-                </a:solidFill>
-                <a:latin typeface="Calibri"/>
+              <a:rPr b="0" lang="en-IN" sz="2000" spc="-1" strike="noStrike">
+                <a:latin typeface="Arial"/>
               </a:rPr>
               <a:t>Fourth Outline Level</a:t>
             </a:r>
-            <a:endParaRPr b="0" lang="en-US" sz="2000" spc="-1" strike="noStrike">
-              <a:solidFill>
-                <a:srgbClr val="000000"/>
-              </a:solidFill>
-              <a:latin typeface="Calibri"/>
+            <a:endParaRPr b="0" lang="en-IN" sz="2000" spc="-1" strike="noStrike">
+              <a:latin typeface="Arial"/>
             </a:endParaRPr>
           </a:p>
           <a:p>
@@ -2749,19 +2631,13 @@
               <a:buChar char=""/>
             </a:pPr>
             <a:r>
-              <a:rPr b="0" lang="en-US" sz="2000" spc="-1" strike="noStrike">
-                <a:solidFill>
-                  <a:srgbClr val="000000"/>
-                </a:solidFill>
-                <a:latin typeface="Calibri"/>
+              <a:rPr b="0" lang="en-IN" sz="2000" spc="-1" strike="noStrike">
+                <a:latin typeface="Arial"/>
               </a:rPr>
               <a:t>Fifth Outline Level</a:t>
             </a:r>
-            <a:endParaRPr b="0" lang="en-US" sz="2000" spc="-1" strike="noStrike">
-              <a:solidFill>
-                <a:srgbClr val="000000"/>
-              </a:solidFill>
-              <a:latin typeface="Calibri"/>
+            <a:endParaRPr b="0" lang="en-IN" sz="2000" spc="-1" strike="noStrike">
+              <a:latin typeface="Arial"/>
             </a:endParaRPr>
           </a:p>
           <a:p>
@@ -2777,19 +2653,13 @@
               <a:buChar char=""/>
             </a:pPr>
             <a:r>
-              <a:rPr b="0" lang="en-US" sz="2000" spc="-1" strike="noStrike">
-                <a:solidFill>
-                  <a:srgbClr val="000000"/>
-                </a:solidFill>
-                <a:latin typeface="Calibri"/>
+              <a:rPr b="0" lang="en-IN" sz="2000" spc="-1" strike="noStrike">
+                <a:latin typeface="Arial"/>
               </a:rPr>
               <a:t>Sixth Outline Level</a:t>
             </a:r>
-            <a:endParaRPr b="0" lang="en-US" sz="2000" spc="-1" strike="noStrike">
-              <a:solidFill>
-                <a:srgbClr val="000000"/>
-              </a:solidFill>
-              <a:latin typeface="Calibri"/>
+            <a:endParaRPr b="0" lang="en-IN" sz="2000" spc="-1" strike="noStrike">
+              <a:latin typeface="Arial"/>
             </a:endParaRPr>
           </a:p>
           <a:p>
@@ -2805,19 +2675,13 @@
               <a:buChar char=""/>
             </a:pPr>
             <a:r>
-              <a:rPr b="0" lang="en-US" sz="2000" spc="-1" strike="noStrike">
-                <a:solidFill>
-                  <a:srgbClr val="000000"/>
-                </a:solidFill>
-                <a:latin typeface="Calibri"/>
+              <a:rPr b="0" lang="en-IN" sz="2000" spc="-1" strike="noStrike">
+                <a:latin typeface="Arial"/>
               </a:rPr>
               <a:t>Seventh Outline Level</a:t>
             </a:r>
-            <a:endParaRPr b="0" lang="en-US" sz="2000" spc="-1" strike="noStrike">
-              <a:solidFill>
-                <a:srgbClr val="000000"/>
-              </a:solidFill>
-              <a:latin typeface="Calibri"/>
+            <a:endParaRPr b="0" lang="en-IN" sz="2000" spc="-1" strike="noStrike">
+              <a:latin typeface="Arial"/>
             </a:endParaRPr>
           </a:p>
         </p:txBody>
@@ -2872,18 +2736,18 @@
         <p:spPr>
           <a:xfrm>
             <a:off x="365760" y="163440"/>
-            <a:ext cx="8229240" cy="1142640"/>
-          </a:xfrm>
-          <a:prstGeom prst="rect">
-            <a:avLst/>
-          </a:prstGeom>
-          <a:noFill/>
-          <a:ln w="0">
-            <a:noFill/>
-          </a:ln>
-        </p:spPr>
-        <p:txBody>
-          <a:bodyPr anchor="ctr">
+            <a:ext cx="8228880" cy="1142280"/>
+          </a:xfrm>
+          <a:prstGeom prst="rect">
+            <a:avLst/>
+          </a:prstGeom>
+          <a:noFill/>
+          <a:ln w="0">
+            <a:noFill/>
+          </a:ln>
+        </p:spPr>
+        <p:txBody>
+          <a:bodyPr lIns="0" rIns="0" tIns="0" bIns="0" anchor="ctr">
             <a:normAutofit/>
           </a:bodyPr>
           <a:p>
@@ -2902,11 +2766,8 @@
               </a:rPr>
               <a:t>Python Modules</a:t>
             </a:r>
-            <a:endParaRPr b="0" lang="en-US" sz="2800" spc="-1" strike="noStrike">
-              <a:solidFill>
-                <a:srgbClr val="000000"/>
-              </a:solidFill>
-              <a:latin typeface="Calibri"/>
+            <a:endParaRPr b="0" lang="en-IN" sz="2800" spc="-1" strike="noStrike">
+              <a:latin typeface="Arial"/>
             </a:endParaRPr>
           </a:p>
         </p:txBody>
@@ -2920,7 +2781,7 @@
         <p:spPr>
           <a:xfrm>
             <a:off x="531720" y="1298520"/>
-            <a:ext cx="7208280" cy="2557080"/>
+            <a:ext cx="7207920" cy="2556360"/>
           </a:xfrm>
           <a:prstGeom prst="rect">
             <a:avLst/>
@@ -2941,7 +2802,7 @@
             <a:spAutoFit/>
           </a:bodyPr>
           <a:p>
-            <a:pPr indent="-216000">
+            <a:pPr marL="216000" indent="-216000">
               <a:lnSpc>
                 <a:spcPct val="100000"/>
               </a:lnSpc>
@@ -2957,6 +2818,7 @@
                   <a:srgbClr val="000000"/>
                 </a:solidFill>
                 <a:latin typeface="Calibri"/>
+                <a:ea typeface="DejaVu Sans"/>
               </a:rPr>
               <a:t> </a:t>
             </a:r>
@@ -2966,6 +2828,7 @@
                   <a:srgbClr val="002060"/>
                 </a:solidFill>
                 <a:latin typeface="Calibri"/>
+                <a:ea typeface="DejaVu Sans"/>
               </a:rPr>
               <a:t>Simply a module is a library of code ( Python Code file with extention .py )</a:t>
             </a:r>
@@ -2974,7 +2837,7 @@
             </a:endParaRPr>
           </a:p>
           <a:p>
-            <a:pPr indent="-216000">
+            <a:pPr marL="216000" indent="-216000">
               <a:lnSpc>
                 <a:spcPct val="100000"/>
               </a:lnSpc>
@@ -2990,6 +2853,7 @@
                   <a:srgbClr val="002060"/>
                 </a:solidFill>
                 <a:latin typeface="Calibri"/>
+                <a:ea typeface="DejaVu Sans"/>
               </a:rPr>
               <a:t> </a:t>
             </a:r>
@@ -2999,6 +2863,7 @@
                   <a:srgbClr val="002060"/>
                 </a:solidFill>
                 <a:latin typeface="Calibri"/>
+                <a:ea typeface="DejaVu Sans"/>
               </a:rPr>
               <a:t>It’s contains set of functions you want to include in your applications</a:t>
             </a:r>
@@ -3018,7 +2883,7 @@
             </a:endParaRPr>
           </a:p>
           <a:p>
-            <a:pPr indent="-216000">
+            <a:pPr marL="216000" indent="-216000">
               <a:lnSpc>
                 <a:spcPct val="100000"/>
               </a:lnSpc>
@@ -3034,6 +2899,7 @@
                   <a:srgbClr val="002060"/>
                 </a:solidFill>
                 <a:latin typeface="Calibri"/>
+                <a:ea typeface="DejaVu Sans"/>
               </a:rPr>
               <a:t> </a:t>
             </a:r>
@@ -3043,6 +2909,7 @@
                   <a:srgbClr val="002060"/>
                 </a:solidFill>
                 <a:latin typeface="Calibri"/>
+                <a:ea typeface="DejaVu Sans"/>
               </a:rPr>
               <a:t>For Ex –  Saving following code in a file with name as mymodule.py</a:t>
             </a:r>
@@ -3074,6 +2941,7 @@
                   <a:srgbClr val="000000"/>
                 </a:solidFill>
                 <a:latin typeface="Calibri"/>
+                <a:ea typeface="DejaVu Sans"/>
               </a:rPr>
               <a:t>	</a:t>
             </a:r>
@@ -3083,6 +2951,7 @@
                   <a:srgbClr val="c00000"/>
                 </a:solidFill>
                 <a:latin typeface="Calibri"/>
+                <a:ea typeface="DejaVu Sans"/>
               </a:rPr>
               <a:t>def greeting(name):</a:t>
             </a:r>
@@ -3095,6 +2964,7 @@
                   <a:srgbClr val="c00000"/>
                 </a:solidFill>
                 <a:latin typeface="Calibri"/>
+                <a:ea typeface="DejaVu Sans"/>
               </a:rPr>
               <a:t>  </a:t>
             </a:r>
@@ -3104,6 +2974,7 @@
                   <a:srgbClr val="c00000"/>
                 </a:solidFill>
                 <a:latin typeface="Calibri"/>
+                <a:ea typeface="DejaVu Sans"/>
               </a:rPr>
               <a:t>	</a:t>
             </a:r>
@@ -3113,6 +2984,7 @@
                   <a:srgbClr val="c00000"/>
                 </a:solidFill>
                 <a:latin typeface="Calibri"/>
+                <a:ea typeface="DejaVu Sans"/>
               </a:rPr>
               <a:t>    print("Hello, " + name) </a:t>
             </a:r>
@@ -3153,7 +3025,7 @@
         <p:spPr>
           <a:xfrm>
             <a:off x="838080" y="3581280"/>
-            <a:ext cx="7238520" cy="3013560"/>
+            <a:ext cx="7238160" cy="3012840"/>
           </a:xfrm>
           <a:prstGeom prst="rect">
             <a:avLst/>
@@ -3186,6 +3058,7 @@
                   <a:srgbClr val="002060"/>
                 </a:solidFill>
                 <a:latin typeface="Calibri"/>
+                <a:ea typeface="DejaVu Sans"/>
               </a:rPr>
               <a:t># Use of an existing module in another python program…</a:t>
             </a:r>
@@ -3217,6 +3090,7 @@
                   <a:srgbClr val="002060"/>
                 </a:solidFill>
                 <a:latin typeface="Calibri"/>
+                <a:ea typeface="DejaVu Sans"/>
               </a:rPr>
               <a:t># For Ex –  Save following code in file with name UseOfExistingModule.py</a:t>
             </a:r>
@@ -3248,6 +3122,7 @@
                   <a:srgbClr val="002060"/>
                 </a:solidFill>
                 <a:latin typeface="Calibri"/>
+                <a:ea typeface="DejaVu Sans"/>
               </a:rPr>
               <a:t>	</a:t>
             </a:r>
@@ -3257,6 +3132,7 @@
                   <a:srgbClr val="002060"/>
                 </a:solidFill>
                 <a:latin typeface="Calibri"/>
+                <a:ea typeface="DejaVu Sans"/>
               </a:rPr>
               <a:t>import mymodule       # importing an existing module </a:t>
             </a:r>
@@ -3272,6 +3148,7 @@
                   <a:srgbClr val="002060"/>
                 </a:solidFill>
                 <a:latin typeface="Calibri"/>
+                <a:ea typeface="DejaVu Sans"/>
               </a:rPr>
               <a:t>	</a:t>
             </a:r>
@@ -3281,6 +3158,7 @@
                   <a:srgbClr val="002060"/>
                 </a:solidFill>
                 <a:latin typeface="Calibri"/>
+                <a:ea typeface="DejaVu Sans"/>
               </a:rPr>
               <a:t>mymodule.greeting("Jonathan") # Calling of specific function </a:t>
             </a:r>
@@ -3312,6 +3190,7 @@
                   <a:srgbClr val="002060"/>
                 </a:solidFill>
                 <a:latin typeface="Calibri"/>
+                <a:ea typeface="DejaVu Sans"/>
               </a:rPr>
               <a:t># Note: A module function called as follow : </a:t>
             </a:r>
@@ -3332,6 +3211,7 @@
                   <a:srgbClr val="000000"/>
                 </a:solidFill>
                 <a:latin typeface="Calibri"/>
+                <a:ea typeface="DejaVu Sans"/>
               </a:rPr>
               <a:t>	</a:t>
             </a:r>
@@ -3341,6 +3221,7 @@
                   <a:srgbClr val="000000"/>
                 </a:solidFill>
                 <a:latin typeface="Calibri"/>
+                <a:ea typeface="DejaVu Sans"/>
               </a:rPr>
               <a:t>	</a:t>
             </a:r>
@@ -3350,6 +3231,7 @@
                   <a:srgbClr val="000000"/>
                 </a:solidFill>
                 <a:latin typeface="Calibri"/>
+                <a:ea typeface="DejaVu Sans"/>
               </a:rPr>
               <a:t>	</a:t>
             </a:r>
@@ -3359,6 +3241,7 @@
                   <a:srgbClr val="000000"/>
                 </a:solidFill>
                 <a:latin typeface="Calibri"/>
+                <a:ea typeface="DejaVu Sans"/>
               </a:rPr>
               <a:t> </a:t>
             </a:r>
@@ -3379,6 +3262,7 @@
                   <a:srgbClr val="000000"/>
                 </a:solidFill>
                 <a:latin typeface="Calibri"/>
+                <a:ea typeface="DejaVu Sans"/>
               </a:rPr>
               <a:t>	</a:t>
             </a:r>
@@ -3388,6 +3272,7 @@
                   <a:srgbClr val="000000"/>
                 </a:solidFill>
                 <a:latin typeface="Calibri"/>
+                <a:ea typeface="DejaVu Sans"/>
               </a:rPr>
               <a:t>	</a:t>
             </a:r>
@@ -3397,6 +3282,7 @@
                   <a:srgbClr val="000000"/>
                 </a:solidFill>
                 <a:latin typeface="Calibri"/>
+                <a:ea typeface="DejaVu Sans"/>
               </a:rPr>
               <a:t>	</a:t>
             </a:r>
@@ -3406,6 +3292,7 @@
                   <a:srgbClr val="c00000"/>
                 </a:solidFill>
                 <a:latin typeface="Calibri"/>
+                <a:ea typeface="DejaVu Sans"/>
               </a:rPr>
               <a:t>modulename.funtionname</a:t>
             </a:r>
@@ -3469,18 +3356,18 @@
         <p:spPr>
           <a:xfrm>
             <a:off x="457200" y="274680"/>
-            <a:ext cx="8229240" cy="715680"/>
-          </a:xfrm>
-          <a:prstGeom prst="rect">
-            <a:avLst/>
-          </a:prstGeom>
-          <a:noFill/>
-          <a:ln w="0">
-            <a:noFill/>
-          </a:ln>
-        </p:spPr>
-        <p:txBody>
-          <a:bodyPr anchor="ctr">
+            <a:ext cx="8228880" cy="715320"/>
+          </a:xfrm>
+          <a:prstGeom prst="rect">
+            <a:avLst/>
+          </a:prstGeom>
+          <a:noFill/>
+          <a:ln w="0">
+            <a:noFill/>
+          </a:ln>
+        </p:spPr>
+        <p:txBody>
+          <a:bodyPr lIns="0" rIns="0" tIns="0" bIns="0" anchor="ctr">
             <a:normAutofit/>
           </a:bodyPr>
           <a:p>
@@ -3499,11 +3386,8 @@
               </a:rPr>
               <a:t>Use of variables in modules</a:t>
             </a:r>
-            <a:endParaRPr b="0" lang="en-US" sz="2800" spc="-1" strike="noStrike">
-              <a:solidFill>
-                <a:srgbClr val="000000"/>
-              </a:solidFill>
-              <a:latin typeface="Calibri"/>
+            <a:endParaRPr b="0" lang="en-IN" sz="2800" spc="-1" strike="noStrike">
+              <a:latin typeface="Arial"/>
             </a:endParaRPr>
           </a:p>
         </p:txBody>
@@ -3516,8 +3400,8 @@
         </p:nvSpPr>
         <p:spPr>
           <a:xfrm>
-            <a:off x="176400" y="1161720"/>
-            <a:ext cx="8283600" cy="638280"/>
+            <a:off x="108360" y="1161720"/>
+            <a:ext cx="8419320" cy="638280"/>
           </a:xfrm>
           <a:prstGeom prst="rect">
             <a:avLst/>
@@ -3538,7 +3422,7 @@
             <a:spAutoFit/>
           </a:bodyPr>
           <a:p>
-            <a:pPr indent="-216000">
+            <a:pPr marL="216000" indent="-216000">
               <a:lnSpc>
                 <a:spcPct val="100000"/>
               </a:lnSpc>
@@ -3554,6 +3438,7 @@
                   <a:srgbClr val="000000"/>
                 </a:solidFill>
                 <a:latin typeface="Calibri"/>
+                <a:ea typeface="DejaVu Sans"/>
               </a:rPr>
               <a:t> </a:t>
             </a:r>
@@ -3563,6 +3448,7 @@
                   <a:srgbClr val="002060"/>
                 </a:solidFill>
                 <a:latin typeface="Calibri"/>
+                <a:ea typeface="DejaVu Sans"/>
               </a:rPr>
               <a:t>A module can contain any type of variable </a:t>
             </a:r>
@@ -3571,7 +3457,7 @@
             </a:endParaRPr>
           </a:p>
           <a:p>
-            <a:pPr indent="-216000">
+            <a:pPr marL="216000" indent="-216000">
               <a:lnSpc>
                 <a:spcPct val="100000"/>
               </a:lnSpc>
@@ -3587,6 +3473,7 @@
                   <a:srgbClr val="002060"/>
                 </a:solidFill>
                 <a:latin typeface="Calibri"/>
+                <a:ea typeface="DejaVu Sans"/>
               </a:rPr>
               <a:t> </a:t>
             </a:r>
@@ -3596,6 +3483,7 @@
                   <a:srgbClr val="002060"/>
                 </a:solidFill>
                 <a:latin typeface="Calibri"/>
+                <a:ea typeface="DejaVu Sans"/>
               </a:rPr>
               <a:t>Variable type can be : String , Array , List , Set , Tuple , Dictionary etc</a:t>
             </a:r>
@@ -3614,7 +3502,7 @@
         <p:spPr>
           <a:xfrm>
             <a:off x="360000" y="1980000"/>
-            <a:ext cx="5640840" cy="2558520"/>
+            <a:ext cx="5640480" cy="2558520"/>
           </a:xfrm>
           <a:prstGeom prst="rect">
             <a:avLst/>
@@ -3647,6 +3535,7 @@
                   <a:srgbClr val="002060"/>
                 </a:solidFill>
                 <a:latin typeface="Calibri"/>
+                <a:ea typeface="DejaVu Sans"/>
               </a:rPr>
               <a:t>#  For Ex - Save following  code in the file  as mymodule.py</a:t>
             </a:r>
@@ -3678,6 +3567,7 @@
                   <a:srgbClr val="000000"/>
                 </a:solidFill>
                 <a:latin typeface="Calibri"/>
+                <a:ea typeface="DejaVu Sans"/>
               </a:rPr>
               <a:t>	</a:t>
             </a:r>
@@ -3687,6 +3577,7 @@
                   <a:srgbClr val="c00000"/>
                 </a:solidFill>
                 <a:latin typeface="Calibri"/>
+                <a:ea typeface="DejaVu Sans"/>
               </a:rPr>
               <a:t>person = {</a:t>
             </a:r>
@@ -3699,6 +3590,7 @@
                   <a:srgbClr val="c00000"/>
                 </a:solidFill>
                 <a:latin typeface="Calibri"/>
+                <a:ea typeface="DejaVu Sans"/>
               </a:rPr>
               <a:t> </a:t>
             </a:r>
@@ -3708,6 +3600,7 @@
                   <a:srgbClr val="c00000"/>
                 </a:solidFill>
                 <a:latin typeface="Calibri"/>
+                <a:ea typeface="DejaVu Sans"/>
               </a:rPr>
               <a:t>	</a:t>
             </a:r>
@@ -3717,6 +3610,7 @@
                   <a:srgbClr val="c00000"/>
                 </a:solidFill>
                 <a:latin typeface="Calibri"/>
+                <a:ea typeface="DejaVu Sans"/>
               </a:rPr>
               <a:t> "name": "John",</a:t>
             </a:r>
@@ -3729,6 +3623,7 @@
                   <a:srgbClr val="c00000"/>
                 </a:solidFill>
                 <a:latin typeface="Calibri"/>
+                <a:ea typeface="DejaVu Sans"/>
               </a:rPr>
               <a:t>  </a:t>
             </a:r>
@@ -3738,6 +3633,7 @@
                   <a:srgbClr val="c00000"/>
                 </a:solidFill>
                 <a:latin typeface="Calibri"/>
+                <a:ea typeface="DejaVu Sans"/>
               </a:rPr>
               <a:t>	</a:t>
             </a:r>
@@ -3747,6 +3643,7 @@
                   <a:srgbClr val="c00000"/>
                 </a:solidFill>
                 <a:latin typeface="Calibri"/>
+                <a:ea typeface="DejaVu Sans"/>
               </a:rPr>
               <a:t> "age": 36,</a:t>
             </a:r>
@@ -3759,6 +3656,7 @@
                   <a:srgbClr val="c00000"/>
                 </a:solidFill>
                 <a:latin typeface="Calibri"/>
+                <a:ea typeface="DejaVu Sans"/>
               </a:rPr>
               <a:t>  </a:t>
             </a:r>
@@ -3768,6 +3666,7 @@
                   <a:srgbClr val="c00000"/>
                 </a:solidFill>
                 <a:latin typeface="Calibri"/>
+                <a:ea typeface="DejaVu Sans"/>
               </a:rPr>
               <a:t>	</a:t>
             </a:r>
@@ -3777,6 +3676,7 @@
                   <a:srgbClr val="c00000"/>
                 </a:solidFill>
                 <a:latin typeface="Calibri"/>
+                <a:ea typeface="DejaVu Sans"/>
               </a:rPr>
               <a:t> "country": "Norway"</a:t>
             </a:r>
@@ -3789,6 +3689,7 @@
                   <a:srgbClr val="c00000"/>
                 </a:solidFill>
                 <a:latin typeface="Calibri"/>
+                <a:ea typeface="DejaVu Sans"/>
               </a:rPr>
               <a:t>	</a:t>
             </a:r>
@@ -3798,6 +3699,7 @@
                   <a:srgbClr val="c00000"/>
                 </a:solidFill>
                 <a:latin typeface="Calibri"/>
+                <a:ea typeface="DejaVu Sans"/>
               </a:rPr>
               <a:t>} </a:t>
             </a:r>
@@ -3827,7 +3729,7 @@
         <p:spPr>
           <a:xfrm>
             <a:off x="180000" y="4320000"/>
-            <a:ext cx="8000640" cy="2189880"/>
+            <a:ext cx="8000280" cy="2191320"/>
           </a:xfrm>
           <a:prstGeom prst="rect">
             <a:avLst/>
@@ -3860,6 +3762,7 @@
                   <a:srgbClr val="002060"/>
                 </a:solidFill>
                 <a:latin typeface="Calibri"/>
+                <a:ea typeface="DejaVu Sans"/>
               </a:rPr>
               <a:t>#  Using above module in another program as follow </a:t>
             </a:r>
@@ -3891,6 +3794,7 @@
                   <a:srgbClr val="000000"/>
                 </a:solidFill>
                 <a:latin typeface="Calibri"/>
+                <a:ea typeface="DejaVu Sans"/>
               </a:rPr>
               <a:t>	</a:t>
             </a:r>
@@ -3900,6 +3804,7 @@
                   <a:srgbClr val="c00000"/>
                 </a:solidFill>
                 <a:latin typeface="Calibri"/>
+                <a:ea typeface="DejaVu Sans"/>
               </a:rPr>
               <a:t>import mymodule</a:t>
             </a:r>
@@ -3915,6 +3820,7 @@
                   <a:srgbClr val="c00000"/>
                 </a:solidFill>
                 <a:latin typeface="Calibri"/>
+                <a:ea typeface="DejaVu Sans"/>
               </a:rPr>
               <a:t>	</a:t>
             </a:r>
@@ -3924,6 +3830,7 @@
                   <a:srgbClr val="c00000"/>
                 </a:solidFill>
                 <a:latin typeface="Calibri"/>
+                <a:ea typeface="DejaVu Sans"/>
               </a:rPr>
               <a:t>a = mymodule.person["age"] # Accessing age property of person1 Dict. </a:t>
             </a:r>
@@ -3936,6 +3843,7 @@
                   <a:srgbClr val="c00000"/>
                 </a:solidFill>
                 <a:latin typeface="Calibri"/>
+                <a:ea typeface="DejaVu Sans"/>
               </a:rPr>
               <a:t>	</a:t>
             </a:r>
@@ -3945,6 +3853,7 @@
                   <a:srgbClr val="c00000"/>
                 </a:solidFill>
                 <a:latin typeface="Calibri"/>
+                <a:ea typeface="DejaVu Sans"/>
               </a:rPr>
               <a:t>print(a) </a:t>
             </a:r>
@@ -3976,6 +3885,7 @@
                   <a:srgbClr val="000000"/>
                 </a:solidFill>
                 <a:latin typeface="Calibri"/>
+                <a:ea typeface="DejaVu Sans"/>
               </a:rPr>
               <a:t>	</a:t>
             </a:r>
@@ -3985,6 +3895,7 @@
                   <a:srgbClr val="002060"/>
                 </a:solidFill>
                 <a:latin typeface="Calibri"/>
+                <a:ea typeface="DejaVu Sans"/>
               </a:rPr>
               <a:t>Output Will be  : 36</a:t>
             </a:r>
@@ -4048,18 +3959,18 @@
         <p:spPr>
           <a:xfrm>
             <a:off x="457200" y="274680"/>
-            <a:ext cx="8229240" cy="791640"/>
-          </a:xfrm>
-          <a:prstGeom prst="rect">
-            <a:avLst/>
-          </a:prstGeom>
-          <a:noFill/>
-          <a:ln w="0">
-            <a:noFill/>
-          </a:ln>
-        </p:spPr>
-        <p:txBody>
-          <a:bodyPr anchor="ctr">
+            <a:ext cx="8228880" cy="791280"/>
+          </a:xfrm>
+          <a:prstGeom prst="rect">
+            <a:avLst/>
+          </a:prstGeom>
+          <a:noFill/>
+          <a:ln w="0">
+            <a:noFill/>
+          </a:ln>
+        </p:spPr>
+        <p:txBody>
+          <a:bodyPr lIns="0" rIns="0" tIns="0" bIns="0" anchor="ctr">
             <a:normAutofit/>
           </a:bodyPr>
           <a:p>
@@ -4078,11 +3989,8 @@
               </a:rPr>
               <a:t>Naming And Python Modules</a:t>
             </a:r>
-            <a:endParaRPr b="0" lang="en-US" sz="2800" spc="-1" strike="noStrike">
-              <a:solidFill>
-                <a:srgbClr val="000000"/>
-              </a:solidFill>
-              <a:latin typeface="Calibri"/>
+            <a:endParaRPr b="0" lang="en-IN" sz="2800" spc="-1" strike="noStrike">
+              <a:latin typeface="Arial"/>
             </a:endParaRPr>
           </a:p>
         </p:txBody>
@@ -4096,7 +4004,7 @@
         <p:spPr>
           <a:xfrm>
             <a:off x="838080" y="990720"/>
-            <a:ext cx="7848360" cy="790200"/>
+            <a:ext cx="7848000" cy="790200"/>
           </a:xfrm>
           <a:prstGeom prst="rect">
             <a:avLst/>
@@ -4129,6 +4037,7 @@
                   <a:srgbClr val="002060"/>
                 </a:solidFill>
                 <a:latin typeface="Calibri"/>
+                <a:ea typeface="DejaVu Sans"/>
               </a:rPr>
               <a:t>#  You can give any name to the module file but it must have the file extension .py</a:t>
             </a:r>
@@ -4149,6 +4058,7 @@
                   <a:srgbClr val="002060"/>
                 </a:solidFill>
                 <a:latin typeface="Calibri"/>
+                <a:ea typeface="DejaVu Sans"/>
               </a:rPr>
               <a:t>#  You can create an alias when you import a module, by using the as keyword</a:t>
             </a:r>
@@ -4178,7 +4088,7 @@
         <p:spPr>
           <a:xfrm>
             <a:off x="838080" y="1752480"/>
-            <a:ext cx="7924320" cy="2052360"/>
+            <a:ext cx="7923960" cy="2053800"/>
           </a:xfrm>
           <a:prstGeom prst="rect">
             <a:avLst/>
@@ -4211,6 +4121,7 @@
                   <a:srgbClr val="002060"/>
                 </a:solidFill>
                 <a:latin typeface="Calibri"/>
+                <a:ea typeface="DejaVu Sans"/>
               </a:rPr>
               <a:t>#  For Ex – Create an alias for mymodule called </a:t>
             </a:r>
@@ -4220,6 +4131,7 @@
                   <a:srgbClr val="c00000"/>
                 </a:solidFill>
                 <a:latin typeface="Calibri"/>
+                <a:ea typeface="DejaVu Sans"/>
               </a:rPr>
               <a:t>mx</a:t>
             </a:r>
@@ -4229,6 +4141,7 @@
                   <a:srgbClr val="002060"/>
                 </a:solidFill>
                 <a:latin typeface="Calibri"/>
+                <a:ea typeface="DejaVu Sans"/>
               </a:rPr>
               <a:t> </a:t>
             </a:r>
@@ -4260,6 +4173,7 @@
                   <a:srgbClr val="000000"/>
                 </a:solidFill>
                 <a:latin typeface="Calibri"/>
+                <a:ea typeface="DejaVu Sans"/>
               </a:rPr>
               <a:t>	</a:t>
             </a:r>
@@ -4269,6 +4183,7 @@
                   <a:srgbClr val="c00000"/>
                 </a:solidFill>
                 <a:latin typeface="Calibri"/>
+                <a:ea typeface="DejaVu Sans"/>
               </a:rPr>
               <a:t>import mymodule as mx</a:t>
             </a:r>
@@ -4284,6 +4199,7 @@
                   <a:srgbClr val="c00000"/>
                 </a:solidFill>
                 <a:latin typeface="Calibri"/>
+                <a:ea typeface="DejaVu Sans"/>
               </a:rPr>
               <a:t>	</a:t>
             </a:r>
@@ -4293,6 +4209,7 @@
                   <a:srgbClr val="c00000"/>
                 </a:solidFill>
                 <a:latin typeface="Calibri"/>
+                <a:ea typeface="DejaVu Sans"/>
               </a:rPr>
               <a:t>a = mx.person1["age"] # Use of alias name to call a module function</a:t>
             </a:r>
@@ -4305,6 +4222,7 @@
                   <a:srgbClr val="c00000"/>
                 </a:solidFill>
                 <a:latin typeface="Calibri"/>
+                <a:ea typeface="DejaVu Sans"/>
               </a:rPr>
               <a:t>	</a:t>
             </a:r>
@@ -4314,6 +4232,7 @@
                   <a:srgbClr val="c00000"/>
                 </a:solidFill>
                 <a:latin typeface="Calibri"/>
+                <a:ea typeface="DejaVu Sans"/>
               </a:rPr>
               <a:t>print(a) </a:t>
             </a:r>
@@ -4345,6 +4264,7 @@
                   <a:srgbClr val="002060"/>
                 </a:solidFill>
                 <a:latin typeface="Calibri"/>
+                <a:ea typeface="DejaVu Sans"/>
               </a:rPr>
               <a:t>	</a:t>
             </a:r>
@@ -4354,6 +4274,7 @@
                   <a:srgbClr val="002060"/>
                 </a:solidFill>
                 <a:latin typeface="Calibri"/>
+                <a:ea typeface="DejaVu Sans"/>
               </a:rPr>
               <a:t>output will be : 36</a:t>
             </a:r>
@@ -4383,7 +4304,7 @@
         <p:spPr>
           <a:xfrm>
             <a:off x="838080" y="3886200"/>
-            <a:ext cx="7317720" cy="3043080"/>
+            <a:ext cx="7317360" cy="3045240"/>
           </a:xfrm>
           <a:prstGeom prst="rect">
             <a:avLst/>
@@ -4416,6 +4337,7 @@
                   <a:srgbClr val="002060"/>
                 </a:solidFill>
                 <a:latin typeface="Calibri"/>
+                <a:ea typeface="DejaVu Sans"/>
               </a:rPr>
               <a:t>#  Using Built-In Modules : you can use built in module by importing them</a:t>
             </a:r>
@@ -4436,6 +4358,7 @@
                   <a:srgbClr val="002060"/>
                 </a:solidFill>
                 <a:latin typeface="Calibri"/>
+                <a:ea typeface="DejaVu Sans"/>
               </a:rPr>
               <a:t>#  For Ex –  Import and use the </a:t>
             </a:r>
@@ -4445,6 +4368,7 @@
                   <a:srgbClr val="ff0000"/>
                 </a:solidFill>
                 <a:latin typeface="Calibri"/>
+                <a:ea typeface="DejaVu Sans"/>
               </a:rPr>
               <a:t>platform</a:t>
             </a:r>
@@ -4454,6 +4378,7 @@
                   <a:srgbClr val="000000"/>
                 </a:solidFill>
                 <a:latin typeface="Calibri"/>
+                <a:ea typeface="DejaVu Sans"/>
               </a:rPr>
               <a:t> </a:t>
             </a:r>
@@ -4463,6 +4388,7 @@
                   <a:srgbClr val="002060"/>
                 </a:solidFill>
                 <a:latin typeface="Calibri"/>
+                <a:ea typeface="DejaVu Sans"/>
               </a:rPr>
               <a:t>built in module</a:t>
             </a:r>
@@ -4494,6 +4420,7 @@
                   <a:srgbClr val="000000"/>
                 </a:solidFill>
                 <a:latin typeface="Calibri"/>
+                <a:ea typeface="DejaVu Sans"/>
               </a:rPr>
               <a:t>	</a:t>
             </a:r>
@@ -4503,6 +4430,7 @@
                   <a:srgbClr val="c00000"/>
                 </a:solidFill>
                 <a:latin typeface="Calibri"/>
+                <a:ea typeface="DejaVu Sans"/>
               </a:rPr>
               <a:t>import platform        # platform is a built in module</a:t>
             </a:r>
@@ -4526,6 +4454,7 @@
                   <a:srgbClr val="c00000"/>
                 </a:solidFill>
                 <a:latin typeface="Calibri"/>
+                <a:ea typeface="DejaVu Sans"/>
               </a:rPr>
               <a:t>	</a:t>
             </a:r>
@@ -4535,6 +4464,7 @@
                   <a:srgbClr val="c00000"/>
                 </a:solidFill>
                 <a:latin typeface="Calibri"/>
+                <a:ea typeface="DejaVu Sans"/>
               </a:rPr>
               <a:t>x = platform.system() # Calling a function of built in module</a:t>
             </a:r>
@@ -4558,6 +4488,7 @@
                   <a:srgbClr val="c00000"/>
                 </a:solidFill>
                 <a:latin typeface="Calibri"/>
+                <a:ea typeface="DejaVu Sans"/>
               </a:rPr>
               <a:t>	</a:t>
             </a:r>
@@ -4567,6 +4498,7 @@
                   <a:srgbClr val="c00000"/>
                 </a:solidFill>
                 <a:latin typeface="Calibri"/>
+                <a:ea typeface="DejaVu Sans"/>
               </a:rPr>
               <a:t>print(x)     # This will print name of running OS on system</a:t>
             </a:r>
@@ -4598,6 +4530,7 @@
                   <a:srgbClr val="000000"/>
                 </a:solidFill>
                 <a:latin typeface="Calibri"/>
+                <a:ea typeface="DejaVu Sans"/>
               </a:rPr>
               <a:t>	</a:t>
             </a:r>
@@ -4607,6 +4540,7 @@
                   <a:srgbClr val="002060"/>
                 </a:solidFill>
                 <a:latin typeface="Calibri"/>
+                <a:ea typeface="DejaVu Sans"/>
               </a:rPr>
               <a:t>output will be  : Windows ( In Case of Windows OS )</a:t>
             </a:r>
@@ -4692,19 +4626,19 @@
         <p:spPr>
           <a:xfrm>
             <a:off x="457200" y="274680"/>
-            <a:ext cx="8229240" cy="791640"/>
-          </a:xfrm>
-          <a:prstGeom prst="rect">
-            <a:avLst/>
-          </a:prstGeom>
-          <a:noFill/>
-          <a:ln w="0">
-            <a:noFill/>
-          </a:ln>
-        </p:spPr>
-        <p:txBody>
-          <a:bodyPr anchor="ctr">
-            <a:normAutofit fontScale="82000"/>
+            <a:ext cx="8228880" cy="791280"/>
+          </a:xfrm>
+          <a:prstGeom prst="rect">
+            <a:avLst/>
+          </a:prstGeom>
+          <a:noFill/>
+          <a:ln w="0">
+            <a:noFill/>
+          </a:ln>
+        </p:spPr>
+        <p:txBody>
+          <a:bodyPr lIns="0" rIns="0" tIns="0" bIns="0" anchor="ctr">
+            <a:normAutofit fontScale="93000"/>
           </a:bodyPr>
           <a:p>
             <a:pPr algn="ctr">
@@ -4725,11 +4659,8 @@
             <a:br>
               <a:rPr sz="2800"/>
             </a:br>
-            <a:endParaRPr b="0" lang="en-US" sz="2800" spc="-1" strike="noStrike">
-              <a:solidFill>
-                <a:srgbClr val="000000"/>
-              </a:solidFill>
-              <a:latin typeface="Calibri"/>
+            <a:endParaRPr b="0" lang="en-IN" sz="2800" spc="-1" strike="noStrike">
+              <a:latin typeface="Arial"/>
             </a:endParaRPr>
           </a:p>
         </p:txBody>
@@ -4742,8 +4673,8 @@
         </p:nvSpPr>
         <p:spPr>
           <a:xfrm>
-            <a:off x="279720" y="1295280"/>
-            <a:ext cx="7113600" cy="577080"/>
+            <a:off x="208080" y="1295280"/>
+            <a:ext cx="7256880" cy="576360"/>
           </a:xfrm>
           <a:prstGeom prst="rect">
             <a:avLst/>
@@ -4764,7 +4695,7 @@
             <a:spAutoFit/>
           </a:bodyPr>
           <a:p>
-            <a:pPr indent="-216000">
+            <a:pPr marL="216000" indent="-216000">
               <a:lnSpc>
                 <a:spcPct val="100000"/>
               </a:lnSpc>
@@ -4780,6 +4711,7 @@
                   <a:srgbClr val="000000"/>
                 </a:solidFill>
                 <a:latin typeface="Calibri"/>
+                <a:ea typeface="DejaVu Sans"/>
               </a:rPr>
               <a:t> </a:t>
             </a:r>
@@ -4789,6 +4721,7 @@
                   <a:srgbClr val="002060"/>
                 </a:solidFill>
                 <a:latin typeface="Calibri"/>
+                <a:ea typeface="DejaVu Sans"/>
               </a:rPr>
               <a:t>This is a built in function </a:t>
             </a:r>
@@ -4797,7 +4730,7 @@
             </a:endParaRPr>
           </a:p>
           <a:p>
-            <a:pPr indent="-216000">
+            <a:pPr marL="216000" indent="-216000">
               <a:lnSpc>
                 <a:spcPct val="100000"/>
               </a:lnSpc>
@@ -4813,6 +4746,7 @@
                   <a:srgbClr val="002060"/>
                 </a:solidFill>
                 <a:latin typeface="Calibri"/>
+                <a:ea typeface="DejaVu Sans"/>
               </a:rPr>
               <a:t> </a:t>
             </a:r>
@@ -4822,6 +4756,7 @@
                   <a:srgbClr val="002060"/>
                 </a:solidFill>
                 <a:latin typeface="Calibri"/>
+                <a:ea typeface="DejaVu Sans"/>
               </a:rPr>
               <a:t>It is used to list out all the function / variables defined in a module </a:t>
             </a:r>
@@ -4840,7 +4775,7 @@
         <p:spPr>
           <a:xfrm>
             <a:off x="533520" y="1905120"/>
-            <a:ext cx="6986160" cy="1977120"/>
+            <a:ext cx="6985800" cy="1978200"/>
           </a:xfrm>
           <a:prstGeom prst="rect">
             <a:avLst/>
@@ -4873,6 +4808,7 @@
                   <a:srgbClr val="002060"/>
                 </a:solidFill>
                 <a:latin typeface="Calibri"/>
+                <a:ea typeface="DejaVu Sans"/>
               </a:rPr>
               <a:t># For Ex – List out all the functions and variables  in platform module</a:t>
             </a:r>
@@ -4904,6 +4840,7 @@
                   <a:srgbClr val="000000"/>
                 </a:solidFill>
                 <a:latin typeface="Calibri"/>
+                <a:ea typeface="DejaVu Sans"/>
               </a:rPr>
               <a:t>	</a:t>
             </a:r>
@@ -4913,6 +4850,7 @@
                   <a:srgbClr val="c00000"/>
                 </a:solidFill>
                 <a:latin typeface="Calibri"/>
+                <a:ea typeface="DejaVu Sans"/>
               </a:rPr>
               <a:t>import platform</a:t>
             </a:r>
@@ -4928,6 +4866,7 @@
                   <a:srgbClr val="c00000"/>
                 </a:solidFill>
                 <a:latin typeface="Calibri"/>
+                <a:ea typeface="DejaVu Sans"/>
               </a:rPr>
               <a:t>	</a:t>
             </a:r>
@@ -4937,6 +4876,7 @@
                   <a:srgbClr val="c00000"/>
                 </a:solidFill>
                 <a:latin typeface="Calibri"/>
+                <a:ea typeface="DejaVu Sans"/>
               </a:rPr>
               <a:t>x = dir(platform) # Passing module name to list out its contents</a:t>
             </a:r>
@@ -4949,6 +4889,7 @@
                   <a:srgbClr val="c00000"/>
                 </a:solidFill>
                 <a:latin typeface="Calibri"/>
+                <a:ea typeface="DejaVu Sans"/>
               </a:rPr>
               <a:t>	</a:t>
             </a:r>
@@ -4958,6 +4899,7 @@
                   <a:srgbClr val="c00000"/>
                 </a:solidFill>
                 <a:latin typeface="Calibri"/>
+                <a:ea typeface="DejaVu Sans"/>
               </a:rPr>
               <a:t>print(x)   # To display contents</a:t>
             </a:r>
@@ -4998,7 +4940,7 @@
         <p:spPr>
           <a:xfrm>
             <a:off x="609480" y="4114800"/>
-            <a:ext cx="7167240" cy="1002240"/>
+            <a:ext cx="7166880" cy="1003320"/>
           </a:xfrm>
           <a:prstGeom prst="rect">
             <a:avLst/>
@@ -5031,6 +4973,7 @@
                   <a:srgbClr val="002060"/>
                 </a:solidFill>
                 <a:latin typeface="Calibri"/>
+                <a:ea typeface="DejaVu Sans"/>
               </a:rPr>
               <a:t>Output Will be Like this :</a:t>
             </a:r>
@@ -5062,6 +5005,7 @@
                   <a:srgbClr val="002060"/>
                 </a:solidFill>
                 <a:latin typeface="Calibri"/>
+                <a:ea typeface="DejaVu Sans"/>
               </a:rPr>
               <a:t>	</a:t>
             </a:r>
@@ -5071,6 +5015,7 @@
                   <a:srgbClr val="002060"/>
                 </a:solidFill>
                 <a:latin typeface="Calibri"/>
+                <a:ea typeface="DejaVu Sans"/>
               </a:rPr>
               <a:t>['DEV_NULL', '_UNIXCONFDIR', 'WIN32_CLIENT_RELEASES', ‘</a:t>
             </a:r>
@@ -5091,6 +5036,7 @@
                   <a:srgbClr val="002060"/>
                 </a:solidFill>
                 <a:latin typeface="Calibri"/>
+                <a:ea typeface="DejaVu Sans"/>
               </a:rPr>
               <a:t>WIN32_SERVER_RELEASES', '__builtins__', '__cached__', '__copyright__', </a:t>
             </a:r>
@@ -5109,7 +5055,7 @@
         <p:spPr>
           <a:xfrm>
             <a:off x="609480" y="5715000"/>
-            <a:ext cx="8454240" cy="303120"/>
+            <a:ext cx="8453880" cy="302760"/>
           </a:xfrm>
           <a:prstGeom prst="rect">
             <a:avLst/>
@@ -5142,6 +5088,7 @@
                   <a:srgbClr val="002060"/>
                 </a:solidFill>
                 <a:latin typeface="Calibri"/>
+                <a:ea typeface="DejaVu Sans"/>
               </a:rPr>
               <a:t>Note * : dir() function can be use to list out contents of built in and user defined modules</a:t>
             </a:r>
@@ -5194,19 +5141,19 @@
         <p:spPr>
           <a:xfrm>
             <a:off x="457200" y="274680"/>
-            <a:ext cx="8229240" cy="715680"/>
-          </a:xfrm>
-          <a:prstGeom prst="rect">
-            <a:avLst/>
-          </a:prstGeom>
-          <a:noFill/>
-          <a:ln w="0">
-            <a:noFill/>
-          </a:ln>
-        </p:spPr>
-        <p:txBody>
-          <a:bodyPr anchor="ctr">
-            <a:normAutofit fontScale="73000"/>
+            <a:ext cx="8228880" cy="715320"/>
+          </a:xfrm>
+          <a:prstGeom prst="rect">
+            <a:avLst/>
+          </a:prstGeom>
+          <a:noFill/>
+          <a:ln w="0">
+            <a:noFill/>
+          </a:ln>
+        </p:spPr>
+        <p:txBody>
+          <a:bodyPr lIns="0" rIns="0" tIns="0" bIns="0" anchor="ctr">
+            <a:normAutofit fontScale="84000"/>
           </a:bodyPr>
           <a:p>
             <a:pPr algn="ctr">
@@ -5227,11 +5174,8 @@
             <a:br>
               <a:rPr sz="2800"/>
             </a:br>
-            <a:endParaRPr b="0" lang="en-US" sz="2800" spc="-1" strike="noStrike">
-              <a:solidFill>
-                <a:srgbClr val="000000"/>
-              </a:solidFill>
-              <a:latin typeface="Calibri"/>
+            <a:endParaRPr b="0" lang="en-IN" sz="2800" spc="-1" strike="noStrike">
+              <a:latin typeface="Arial"/>
             </a:endParaRPr>
           </a:p>
         </p:txBody>
@@ -5245,7 +5189,7 @@
         <p:spPr>
           <a:xfrm>
             <a:off x="609480" y="838080"/>
-            <a:ext cx="6510600" cy="303120"/>
+            <a:ext cx="6510240" cy="302760"/>
           </a:xfrm>
           <a:prstGeom prst="rect">
             <a:avLst/>
@@ -5266,7 +5210,7 @@
             <a:spAutoFit/>
           </a:bodyPr>
           <a:p>
-            <a:pPr indent="-216000">
+            <a:pPr marL="216000" indent="-216000">
               <a:lnSpc>
                 <a:spcPct val="100000"/>
               </a:lnSpc>
@@ -5282,6 +5226,7 @@
                   <a:srgbClr val="000000"/>
                 </a:solidFill>
                 <a:latin typeface="Calibri"/>
+                <a:ea typeface="DejaVu Sans"/>
               </a:rPr>
               <a:t>  </a:t>
             </a:r>
@@ -5291,6 +5236,7 @@
                   <a:srgbClr val="002060"/>
                 </a:solidFill>
                 <a:latin typeface="Calibri"/>
+                <a:ea typeface="DejaVu Sans"/>
               </a:rPr>
               <a:t>you can import a specific part of the module using from key word</a:t>
             </a:r>
@@ -5309,7 +5255,7 @@
         <p:spPr>
           <a:xfrm>
             <a:off x="609480" y="1295280"/>
-            <a:ext cx="6549480" cy="3423960"/>
+            <a:ext cx="6549120" cy="3423240"/>
           </a:xfrm>
           <a:prstGeom prst="rect">
             <a:avLst/>
@@ -5342,6 +5288,7 @@
                   <a:srgbClr val="002060"/>
                 </a:solidFill>
                 <a:latin typeface="Calibri"/>
+                <a:ea typeface="DejaVu Sans"/>
               </a:rPr>
               <a:t>#</a:t>
             </a:r>
@@ -5351,6 +5298,7 @@
                   <a:srgbClr val="000000"/>
                 </a:solidFill>
                 <a:latin typeface="Calibri"/>
+                <a:ea typeface="DejaVu Sans"/>
               </a:rPr>
               <a:t> </a:t>
             </a:r>
@@ -5360,6 +5308,7 @@
                   <a:srgbClr val="002060"/>
                 </a:solidFill>
                 <a:latin typeface="Calibri"/>
+                <a:ea typeface="DejaVu Sans"/>
               </a:rPr>
               <a:t>For Ex – First  Define a module as follow and save as mymodule.py</a:t>
             </a:r>
@@ -5391,6 +5340,7 @@
                   <a:srgbClr val="002060"/>
                 </a:solidFill>
                 <a:latin typeface="Calibri"/>
+                <a:ea typeface="DejaVu Sans"/>
               </a:rPr>
               <a:t>#  This module define a function and a dictionary </a:t>
             </a:r>
@@ -5422,6 +5372,7 @@
                   <a:srgbClr val="c00000"/>
                 </a:solidFill>
                 <a:latin typeface="Calibri"/>
+                <a:ea typeface="DejaVu Sans"/>
               </a:rPr>
               <a:t>def greeting(name):</a:t>
             </a:r>
@@ -5434,6 +5385,7 @@
                   <a:srgbClr val="c00000"/>
                 </a:solidFill>
                 <a:latin typeface="Calibri"/>
+                <a:ea typeface="DejaVu Sans"/>
               </a:rPr>
               <a:t>  print("Hello, " + name)</a:t>
             </a:r>
@@ -5449,6 +5401,7 @@
                   <a:srgbClr val="c00000"/>
                 </a:solidFill>
                 <a:latin typeface="Calibri"/>
+                <a:ea typeface="DejaVu Sans"/>
               </a:rPr>
               <a:t>person1 = {</a:t>
             </a:r>
@@ -5461,6 +5414,7 @@
                   <a:srgbClr val="c00000"/>
                 </a:solidFill>
                 <a:latin typeface="Calibri"/>
+                <a:ea typeface="DejaVu Sans"/>
               </a:rPr>
               <a:t>  "name": "John",</a:t>
             </a:r>
@@ -5473,6 +5427,7 @@
                   <a:srgbClr val="c00000"/>
                 </a:solidFill>
                 <a:latin typeface="Calibri"/>
+                <a:ea typeface="DejaVu Sans"/>
               </a:rPr>
               <a:t>  "age": 36,</a:t>
             </a:r>
@@ -5485,6 +5440,7 @@
                   <a:srgbClr val="c00000"/>
                 </a:solidFill>
                 <a:latin typeface="Calibri"/>
+                <a:ea typeface="DejaVu Sans"/>
               </a:rPr>
               <a:t>  "country": "Norway"</a:t>
             </a:r>
@@ -5497,6 +5453,7 @@
                   <a:srgbClr val="c00000"/>
                 </a:solidFill>
                 <a:latin typeface="Calibri"/>
+                <a:ea typeface="DejaVu Sans"/>
               </a:rPr>
               <a:t>}</a:t>
             </a:r>
@@ -5526,7 +5483,7 @@
         <p:spPr>
           <a:xfrm>
             <a:off x="609480" y="4724280"/>
-            <a:ext cx="7772040" cy="1826280"/>
+            <a:ext cx="7771680" cy="1825560"/>
           </a:xfrm>
           <a:prstGeom prst="rect">
             <a:avLst/>
@@ -5559,6 +5516,7 @@
                   <a:srgbClr val="002060"/>
                 </a:solidFill>
                 <a:latin typeface="Calibri"/>
+                <a:ea typeface="DejaVu Sans"/>
               </a:rPr>
               <a:t>#  Now importing only dictionary as follow in another program</a:t>
             </a:r>
@@ -5590,6 +5548,7 @@
                   <a:srgbClr val="c00000"/>
                 </a:solidFill>
                 <a:latin typeface="Calibri"/>
+                <a:ea typeface="DejaVu Sans"/>
               </a:rPr>
               <a:t>from mymodule import person1  # importing person named dictionary only</a:t>
             </a:r>
@@ -5602,6 +5561,7 @@
                   <a:srgbClr val="c00000"/>
                 </a:solidFill>
                 <a:latin typeface="Calibri"/>
+                <a:ea typeface="DejaVu Sans"/>
               </a:rPr>
               <a:t>print (person1["age"])   #  Note :  No use of module name to access dictionary</a:t>
             </a:r>
@@ -5633,6 +5593,7 @@
                   <a:srgbClr val="002060"/>
                 </a:solidFill>
                 <a:latin typeface="Calibri"/>
+                <a:ea typeface="DejaVu Sans"/>
               </a:rPr>
               <a:t>Output Will be : 36</a:t>
             </a:r>
